--- a/docs/L9_slide.pptx
+++ b/docs/L9_slide.pptx
@@ -20,6 +20,28 @@
     <p:sldId id="268" r:id="rId14"/>
     <p:sldId id="269" r:id="rId15"/>
     <p:sldId id="270" r:id="rId16"/>
+    <p:sldId id="271" r:id="rId17"/>
+    <p:sldId id="272" r:id="rId18"/>
+    <p:sldId id="273" r:id="rId19"/>
+    <p:sldId id="274" r:id="rId20"/>
+    <p:sldId id="275" r:id="rId21"/>
+    <p:sldId id="276" r:id="rId22"/>
+    <p:sldId id="277" r:id="rId23"/>
+    <p:sldId id="278" r:id="rId24"/>
+    <p:sldId id="279" r:id="rId25"/>
+    <p:sldId id="280" r:id="rId26"/>
+    <p:sldId id="281" r:id="rId27"/>
+    <p:sldId id="282" r:id="rId28"/>
+    <p:sldId id="283" r:id="rId29"/>
+    <p:sldId id="284" r:id="rId30"/>
+    <p:sldId id="285" r:id="rId31"/>
+    <p:sldId id="286" r:id="rId32"/>
+    <p:sldId id="287" r:id="rId33"/>
+    <p:sldId id="288" r:id="rId34"/>
+    <p:sldId id="289" r:id="rId35"/>
+    <p:sldId id="290" r:id="rId36"/>
+    <p:sldId id="291" r:id="rId37"/>
+    <p:sldId id="292" r:id="rId38"/>
   </p:sldIdLst>
   <p:sldSz cx="9144000" cy="5143500" type="screen16x9"/>
   <p:notesSz cx="6858000" cy="9144000"/>
@@ -3190,12 +3212,12 @@
       </p:grpSpPr>
       <p:sp>
         <p:nvSpPr>
-          <p:cNvPr id="2" name="Title 1"/>
-          <p:cNvSpPr>
-            <a:spLocks noGrp="1"/>
-          </p:cNvSpPr>
-          <p:nvPr>
-            <p:ph type="title"/>
+          <p:cNvPr id="3" name="Content Placeholder 2"/>
+          <p:cNvSpPr>
+            <a:spLocks noGrp="1"/>
+          </p:cNvSpPr>
+          <p:nvPr>
+            <p:ph idx="1"/>
           </p:nvPr>
         </p:nvSpPr>
         <p:spPr/>
@@ -3204,48 +3226,47 @@
           <a:lstStyle/>
           <a:p>
             <a:pPr lvl="0" indent="0" marL="0">
+              <a:spcBef>
+                <a:spcPts val="3000"/>
+              </a:spcBef>
               <a:buNone/>
             </a:pPr>
             <a:r>
-              <a:rPr/>
-              <a:t>1.2 Excel的统计分析工具</a:t>
-            </a:r>
-          </a:p>
-        </p:txBody>
-      </p:sp>
-      <p:sp>
-        <p:nvSpPr>
-          <p:cNvPr id="3" name="Content Placeholder 2"/>
-          <p:cNvSpPr>
-            <a:spLocks noGrp="1"/>
-          </p:cNvSpPr>
-          <p:nvPr>
-            <p:ph idx="1"/>
-          </p:nvPr>
-        </p:nvSpPr>
-        <p:spPr/>
-        <p:txBody>
-          <a:bodyPr/>
-          <a:lstStyle/>
-          <a:p>
-            <a:pPr lvl="0"/>
-            <a:r>
-              <a:rPr/>
-              <a:t>1.2.1 图表工具</a:t>
-            </a:r>
-          </a:p>
-          <a:p>
-            <a:pPr lvl="0"/>
-            <a:r>
-              <a:rPr/>
-              <a:t>1.2.2 函数工具</a:t>
-            </a:r>
-          </a:p>
-          <a:p>
-            <a:pPr lvl="0"/>
-            <a:r>
-              <a:rPr/>
-              <a:t>1.2.3 数据分析工具</a:t>
+              <a:rPr b="1"/>
+              <a:t>② 如何构建高质量提问？</a:t>
+            </a:r>
+          </a:p>
+          <a:p>
+            <a:pPr lvl="0"/>
+            <a:r>
+              <a:rPr b="1"/>
+              <a:t>研究背景</a:t>
+            </a:r>
+            <a:r>
+              <a:rPr/>
+              <a:t>：研究设计、样本量、数据来源；</a:t>
+            </a:r>
+          </a:p>
+          <a:p>
+            <a:pPr lvl="0"/>
+            <a:r>
+              <a:rPr b="1"/>
+              <a:t>变量信息</a:t>
+            </a:r>
+            <a:r>
+              <a:rPr/>
+              <a:t>：自变量和因变量的类型、分布特征；</a:t>
+            </a:r>
+          </a:p>
+          <a:p>
+            <a:pPr lvl="0"/>
+            <a:r>
+              <a:rPr b="1"/>
+              <a:t>提问目标</a:t>
+            </a:r>
+            <a:r>
+              <a:rPr/>
+              <a:t>：你希望 DeepSeek 帮你做什么？推荐方法？解释输出？润色语言？</a:t>
             </a:r>
           </a:p>
         </p:txBody>
@@ -3274,12 +3295,12 @@
       </p:grpSpPr>
       <p:sp>
         <p:nvSpPr>
-          <p:cNvPr id="2" name="Title 1"/>
-          <p:cNvSpPr>
-            <a:spLocks noGrp="1"/>
-          </p:cNvSpPr>
-          <p:nvPr>
-            <p:ph type="title"/>
+          <p:cNvPr id="3" name="Content Placeholder 2"/>
+          <p:cNvSpPr>
+            <a:spLocks noGrp="1"/>
+          </p:cNvSpPr>
+          <p:nvPr>
+            <p:ph idx="1"/>
           </p:nvPr>
         </p:nvSpPr>
         <p:spPr/>
@@ -3288,41 +3309,103 @@
           <a:lstStyle/>
           <a:p>
             <a:pPr lvl="0" indent="0" marL="0">
+              <a:spcBef>
+                <a:spcPts val="3000"/>
+              </a:spcBef>
               <a:buNone/>
             </a:pPr>
             <a:r>
-              <a:rPr/>
-              <a:t>1.3 Excel常用技巧</a:t>
-            </a:r>
-          </a:p>
-        </p:txBody>
-      </p:sp>
-      <p:sp>
-        <p:nvSpPr>
-          <p:cNvPr id="3" name="Content Placeholder 2"/>
-          <p:cNvSpPr>
-            <a:spLocks noGrp="1"/>
-          </p:cNvSpPr>
-          <p:nvPr>
-            <p:ph idx="1"/>
-          </p:nvPr>
-        </p:nvSpPr>
-        <p:spPr/>
-        <p:txBody>
-          <a:bodyPr/>
-          <a:lstStyle/>
-          <a:p>
-            <a:pPr lvl="0"/>
-            <a:r>
-              <a:rPr/>
-              <a:t>1.3.1 Excel的快捷键</a:t>
-            </a:r>
-          </a:p>
-          <a:p>
-            <a:pPr lvl="0"/>
-            <a:r>
-              <a:rPr/>
-              <a:t>1.3.2 单元格填充柄</a:t>
+              <a:rPr b="1"/>
+              <a:t>🔍示例：如何提出更高质量的问题</a:t>
+            </a:r>
+          </a:p>
+          <a:p>
+            <a:pPr lvl="0" indent="0" marL="0">
+              <a:buNone/>
+            </a:pPr>
+            <a:r>
+              <a:rPr b="1"/>
+              <a:t>明确表达研究背景、变量类型和分析目的</a:t>
+            </a:r>
+          </a:p>
+          <a:p>
+            <a:pPr lvl="0"/>
+            <a:r>
+              <a:rPr b="1"/>
+              <a:t>原问法</a:t>
+            </a:r>
+            <a:r>
+              <a:rPr/>
+              <a:t>：我做了线性回归，能不能帮我看看有没有问题？</a:t>
+            </a:r>
+            <a:br/>
+            <a:r>
+              <a:rPr b="1"/>
+              <a:t>优化提问</a:t>
+            </a:r>
+            <a:r>
+              <a:rPr/>
+              <a:t>：我用线性回归分析术后住院天数的影响因素，自变量包括年龄、手术方式和是否术前使用抗生素，模型输出如下，请帮我判断变量解释是否合理，并协助我撰写结果描述。</a:t>
+            </a:r>
+          </a:p>
+          <a:p>
+            <a:pPr lvl="0"/>
+            <a:r>
+              <a:rPr b="1"/>
+              <a:t>原问法</a:t>
+            </a:r>
+            <a:r>
+              <a:rPr/>
+              <a:t>：我想知道两组患者有无差异，用什么方法好？</a:t>
+            </a:r>
+            <a:br/>
+            <a:r>
+              <a:rPr b="1"/>
+              <a:t>优化提问</a:t>
+            </a:r>
+            <a:r>
+              <a:rPr/>
+              <a:t>：我想比较 A 药和 B 药对血糖控制的效果，两组样本独立，结局变量是非正态分布的 HbA1c，请问适合使用哪种非参数检验方法？</a:t>
+            </a:r>
+          </a:p>
+          <a:p>
+            <a:pPr lvl="0"/>
+            <a:r>
+              <a:rPr b="1"/>
+              <a:t>原问法</a:t>
+            </a:r>
+            <a:r>
+              <a:rPr/>
+              <a:t>：这个 P 值怎么解读？</a:t>
+            </a:r>
+            <a:br/>
+            <a:r>
+              <a:rPr b="1"/>
+              <a:t>优化提问</a:t>
+            </a:r>
+            <a:r>
+              <a:rPr/>
+              <a:t>：在 logistic 回归中，变量“糖尿病病史”的 OR = 1.9，95% CI 为 1.1–3.2，P = 0.025，请帮我解释这个变量在模型中的统计与临床意义。</a:t>
+            </a:r>
+          </a:p>
+          <a:p>
+            <a:pPr lvl="0"/>
+            <a:r>
+              <a:rPr b="1"/>
+              <a:t>原问法</a:t>
+            </a:r>
+            <a:r>
+              <a:rPr/>
+              <a:t>：帮我翻译一句统计方法的英文。</a:t>
+            </a:r>
+            <a:br/>
+            <a:r>
+              <a:rPr b="1"/>
+              <a:t>优化提问</a:t>
+            </a:r>
+            <a:r>
+              <a:rPr/>
+              <a:t>：请帮我用 SCI 医学期刊常用写法翻译这句话：我们使用 Kruskal-Wallis 检验比较了三组患者术后第 5 天 CRP 水平的分布差异。</a:t>
             </a:r>
           </a:p>
         </p:txBody>
@@ -3351,12 +3434,12 @@
       </p:grpSpPr>
       <p:sp>
         <p:nvSpPr>
-          <p:cNvPr id="2" name="Title 1"/>
-          <p:cNvSpPr>
-            <a:spLocks noGrp="1"/>
-          </p:cNvSpPr>
-          <p:nvPr>
-            <p:ph type="title"/>
+          <p:cNvPr id="3" name="Content Placeholder 2"/>
+          <p:cNvSpPr>
+            <a:spLocks noGrp="1"/>
+          </p:cNvSpPr>
+          <p:nvPr>
+            <p:ph idx="1"/>
           </p:nvPr>
         </p:nvSpPr>
         <p:spPr/>
@@ -3369,51 +3452,59 @@
             </a:pPr>
             <a:r>
               <a:rPr/>
-              <a:t>1.3.1 Excel的快捷键</a:t>
-            </a:r>
-          </a:p>
-        </p:txBody>
-      </p:sp>
-      <p:sp>
-        <p:nvSpPr>
-          <p:cNvPr id="3" name="Content Placeholder 2"/>
-          <p:cNvSpPr>
-            <a:spLocks noGrp="1"/>
-          </p:cNvSpPr>
-          <p:nvPr>
-            <p:ph idx="1"/>
-          </p:nvPr>
-        </p:nvSpPr>
-        <p:spPr/>
-        <p:txBody>
-          <a:bodyPr/>
-          <a:lstStyle/>
-          <a:p>
-            <a:pPr lvl="0"/>
-            <a:r>
-              <a:rPr/>
-              <a:t>基础操作</a:t>
-            </a:r>
-          </a:p>
-          <a:p>
-            <a:pPr lvl="0"/>
-            <a:r>
-              <a:rPr/>
-              <a:t>光标定位</a:t>
-            </a:r>
-          </a:p>
-          <a:p>
-            <a:pPr lvl="0"/>
-            <a:r>
-              <a:rPr/>
-              <a:t>范围选择</a:t>
-            </a:r>
-          </a:p>
-          <a:p>
-            <a:pPr lvl="0"/>
-            <a:r>
-              <a:rPr/>
-              <a:t>编辑计算</a:t>
+              <a:t>💡 </a:t>
+            </a:r>
+            <a:r>
+              <a:rPr b="1"/>
+              <a:t>技巧提示</a:t>
+            </a:r>
+            <a:r>
+              <a:rPr/>
+              <a:t>：优化提问时尽量包括：</a:t>
+            </a:r>
+          </a:p>
+          <a:p>
+            <a:pPr lvl="0"/>
+            <a:r>
+              <a:rPr b="1"/>
+              <a:t>研究设计类型</a:t>
+            </a:r>
+            <a:r>
+              <a:rPr/>
+              <a:t>（如独立、配对）</a:t>
+            </a:r>
+          </a:p>
+          <a:p>
+            <a:pPr lvl="0"/>
+            <a:r>
+              <a:rPr b="1"/>
+              <a:t>变量类型与分布特征</a:t>
+            </a:r>
+            <a:r>
+              <a:rPr/>
+              <a:t>（如定量、定性、是否正态）</a:t>
+            </a:r>
+          </a:p>
+          <a:p>
+            <a:pPr lvl="0"/>
+            <a:r>
+              <a:rPr b="1"/>
+              <a:t>分析目的</a:t>
+            </a:r>
+            <a:r>
+              <a:rPr/>
+              <a:t>（比较差异、建模预测、描述分布等）</a:t>
+            </a:r>
+          </a:p>
+          <a:p>
+            <a:pPr lvl="0"/>
+            <a:r>
+              <a:rPr b="1"/>
+              <a:t>希望 AI 协助的具体环节</a:t>
+            </a:r>
+            <a:r>
+              <a:rPr/>
+              <a:t>（方法选择、结果解读、语言撰写等）</a:t>
             </a:r>
           </a:p>
         </p:txBody>
@@ -3442,12 +3533,12 @@
       </p:grpSpPr>
       <p:sp>
         <p:nvSpPr>
-          <p:cNvPr id="2" name="Title 1"/>
-          <p:cNvSpPr>
-            <a:spLocks noGrp="1"/>
-          </p:cNvSpPr>
-          <p:nvPr>
-            <p:ph type="title"/>
+          <p:cNvPr id="3" name="Content Placeholder 2"/>
+          <p:cNvSpPr>
+            <a:spLocks noGrp="1"/>
+          </p:cNvSpPr>
+          <p:nvPr>
+            <p:ph idx="1"/>
           </p:nvPr>
         </p:nvSpPr>
         <p:spPr/>
@@ -3456,11 +3547,72 @@
           <a:lstStyle/>
           <a:p>
             <a:pPr lvl="0" indent="0" marL="0">
+              <a:spcBef>
+                <a:spcPts val="3000"/>
+              </a:spcBef>
               <a:buNone/>
             </a:pPr>
             <a:r>
-              <a:rPr/>
-              <a:t>1.3.2 单元格填充柄</a:t>
+              <a:rPr b="1"/>
+              <a:t>✅ 小结：从工具到能力，构建AI辅助统计思维</a:t>
+            </a:r>
+          </a:p>
+          <a:p>
+            <a:pPr lvl="0"/>
+            <a:r>
+              <a:rPr/>
+              <a:t>统计学习不只是掌握方法，更是形成解决问题的思维方式。</a:t>
+            </a:r>
+          </a:p>
+          <a:p>
+            <a:pPr lvl="0"/>
+            <a:r>
+              <a:rPr/>
+              <a:t>DeepSeek 不只是工具，更可以成为统计学习与科研写作的智能伙伴。</a:t>
+            </a:r>
+          </a:p>
+          <a:p>
+            <a:pPr lvl="0"/>
+            <a:r>
+              <a:rPr/>
+              <a:t>借助 AI，可以加速理解、提升效率，但不能替代判断与思考。</a:t>
+            </a:r>
+          </a:p>
+          <a:p>
+            <a:pPr lvl="0"/>
+            <a:r>
+              <a:rPr/>
+              <a:t>真正有效的统计学习，应注重：</a:t>
+            </a:r>
+          </a:p>
+          <a:p>
+            <a:pPr lvl="1"/>
+            <a:r>
+              <a:rPr/>
+              <a:t>明确目标（用AI解决具体问题）；</a:t>
+            </a:r>
+          </a:p>
+          <a:p>
+            <a:pPr lvl="1"/>
+            <a:r>
+              <a:rPr/>
+              <a:t>精准提问（提升与AI对话质量）；</a:t>
+            </a:r>
+          </a:p>
+          <a:p>
+            <a:pPr lvl="1"/>
+            <a:r>
+              <a:rPr/>
+              <a:t>灵活应用（将建议转化为科研能力）。</a:t>
+            </a:r>
+          </a:p>
+          <a:p>
+            <a:pPr lvl="0" indent="0" marL="1270000">
+              <a:buNone/>
+            </a:pPr>
+            <a:r>
+              <a:rPr sz="2000"/>
+              <a:t>📌 从“学习统计”到“用统计解决问题”，AI 是助力，但研究者永远是主导。</a:t>
             </a:r>
           </a:p>
         </p:txBody>
@@ -3507,7 +3659,7 @@
             </a:pPr>
             <a:r>
               <a:rPr/>
-              <a:t>1.4 Excel的数据清洗工具</a:t>
+              <a:t>9.2 DeepSeek辅助医学统计方法的整体梳理</a:t>
             </a:r>
           </a:p>
         </p:txBody>
@@ -3530,70 +3682,42 @@
             <a:pPr lvl="0"/>
             <a:r>
               <a:rPr/>
-              <a:t>1.4.1 剔除重复个案</a:t>
-            </a:r>
-          </a:p>
-          <a:p>
-            <a:pPr lvl="0"/>
-            <a:r>
-              <a:rPr/>
-              <a:t>1.4.2 剔除有缺失值的个案</a:t>
-            </a:r>
-          </a:p>
-          <a:p>
-            <a:pPr lvl="0"/>
-            <a:r>
-              <a:rPr/>
-              <a:t>1.4.3 英文字母的大小写转换</a:t>
-            </a:r>
-          </a:p>
-          <a:p>
-            <a:pPr lvl="0"/>
-            <a:r>
-              <a:rPr/>
-              <a:t>1.4.4 删除多余的空格</a:t>
-            </a:r>
-          </a:p>
-          <a:p>
-            <a:pPr lvl="0"/>
-            <a:r>
-              <a:rPr/>
-              <a:t>1.4.5 观测值的批量替换</a:t>
-            </a:r>
-          </a:p>
-          <a:p>
-            <a:pPr lvl="0"/>
-            <a:r>
-              <a:rPr/>
-              <a:t>1.4.6 文本分列</a:t>
-            </a:r>
-          </a:p>
-          <a:p>
-            <a:pPr lvl="0"/>
-            <a:r>
-              <a:rPr/>
-              <a:t>1.4.7 以文本形式存储的数字的转化</a:t>
-            </a:r>
-          </a:p>
-          <a:p>
-            <a:pPr lvl="0"/>
-            <a:r>
-              <a:rPr/>
-              <a:t>1.4.8 快速填充</a:t>
-            </a:r>
-          </a:p>
-          <a:p>
-            <a:pPr lvl="0"/>
-            <a:r>
-              <a:rPr/>
-              <a:t>1.4.9 异常值和缺失值的识别</a:t>
-            </a:r>
-          </a:p>
-          <a:p>
-            <a:pPr lvl="0"/>
-            <a:r>
-              <a:rPr/>
-              <a:t>1.4.10 数值代码转换为文本</a:t>
+              <a:t>如何用DeepSeek辅助统计学习？</a:t>
+            </a:r>
+          </a:p>
+          <a:p>
+            <a:pPr lvl="1"/>
+            <a:r>
+              <a:rPr/>
+              <a:t>让非专业人员也能轻松用统计</a:t>
+            </a:r>
+          </a:p>
+          <a:p>
+            <a:pPr lvl="1"/>
+            <a:r>
+              <a:rPr/>
+              <a:t>中文问答自然交互</a:t>
+            </a:r>
+          </a:p>
+          <a:p>
+            <a:pPr lvl="1"/>
+            <a:r>
+              <a:rPr/>
+              <a:t>理解临床背景</a:t>
+            </a:r>
+          </a:p>
+          <a:p>
+            <a:pPr lvl="1"/>
+            <a:r>
+              <a:rPr/>
+              <a:t>自动推荐方法</a:t>
+            </a:r>
+          </a:p>
+          <a:p>
+            <a:pPr lvl="0"/>
+            <a:r>
+              <a:rPr/>
+              <a:t>统计方法的选择与应用</a:t>
             </a:r>
           </a:p>
         </p:txBody>
@@ -3640,7 +3764,627 @@
             </a:pPr>
             <a:r>
               <a:rPr/>
-              <a:t>本章总结</a:t>
+              <a:t>医学统计常见困扰</a:t>
+            </a:r>
+          </a:p>
+        </p:txBody>
+      </p:sp>
+      <p:sp>
+        <p:nvSpPr>
+          <p:cNvPr id="3" name="Content Placeholder 2"/>
+          <p:cNvSpPr>
+            <a:spLocks noGrp="1"/>
+          </p:cNvSpPr>
+          <p:nvPr>
+            <p:ph idx="1"/>
+          </p:nvPr>
+        </p:nvSpPr>
+        <p:spPr/>
+        <p:txBody>
+          <a:bodyPr/>
+          <a:lstStyle/>
+          <a:p>
+            <a:pPr lvl="0"/>
+            <a:r>
+              <a:rPr/>
+              <a:t>统计方法选择难题</a:t>
+            </a:r>
+          </a:p>
+          <a:p>
+            <a:pPr lvl="0"/>
+            <a:r>
+              <a:rPr/>
+              <a:t>忽视方法适用前提</a:t>
+            </a:r>
+          </a:p>
+          <a:p>
+            <a:pPr lvl="0"/>
+            <a:r>
+              <a:rPr/>
+              <a:t>统计结果呈现失范</a:t>
+            </a:r>
+          </a:p>
+          <a:p>
+            <a:pPr lvl="0"/>
+            <a:r>
+              <a:rPr/>
+              <a:t>医学统计常见困扰：变量太多、不会选方法、看不懂结果</a:t>
+            </a:r>
+          </a:p>
+          <a:p>
+            <a:pPr lvl="0"/>
+            <a:r>
+              <a:rPr/>
+              <a:t>“傻瓜式”统计理念：让非专业人员也能轻松用统计</a:t>
+            </a:r>
+          </a:p>
+          <a:p>
+            <a:pPr lvl="0"/>
+            <a:r>
+              <a:rPr/>
+              <a:t>DeepSeek工具优势：</a:t>
+            </a:r>
+          </a:p>
+          <a:p>
+            <a:pPr lvl="1"/>
+            <a:r>
+              <a:rPr/>
+              <a:t>中文问答自然交互</a:t>
+            </a:r>
+          </a:p>
+          <a:p>
+            <a:pPr lvl="1"/>
+            <a:r>
+              <a:rPr/>
+              <a:t>理解临床背景</a:t>
+            </a:r>
+          </a:p>
+          <a:p>
+            <a:pPr lvl="1"/>
+            <a:r>
+              <a:rPr/>
+              <a:t>自动推荐方法</a:t>
+            </a:r>
+          </a:p>
+          <a:p>
+            <a:pPr lvl="0"/>
+            <a:r>
+              <a:rPr/>
+              <a:t>案例：</a:t>
+            </a:r>
+          </a:p>
+          <a:p>
+            <a:pPr lvl="1"/>
+            <a:r>
+              <a:rPr/>
+              <a:t>研究血压药效果，提问：“用药前后血压有差异吗？”</a:t>
+            </a:r>
+          </a:p>
+          <a:p>
+            <a:pPr lvl="1"/>
+            <a:r>
+              <a:rPr/>
+              <a:t>DeepSeek自动识别配对t检验，解释结果</a:t>
+            </a:r>
+          </a:p>
+        </p:txBody>
+      </p:sp>
+    </p:spTree>
+  </p:cSld>
+</p:sld>
+</file>
+
+<file path=ppt/slides/slide16.xml><?xml version="1.0" encoding="utf-8"?>
+<p:sld xmlns:a="http://schemas.openxmlformats.org/drawingml/2006/main" xmlns:r="http://schemas.openxmlformats.org/officeDocument/2006/relationships" xmlns:p="http://schemas.openxmlformats.org/presentationml/2006/main">
+  <p:cSld>
+    <p:spTree>
+      <p:nvGrpSpPr>
+        <p:cNvPr id="1" name=""/>
+        <p:cNvGrpSpPr/>
+        <p:nvPr/>
+      </p:nvGrpSpPr>
+      <p:grpSpPr>
+        <a:xfrm>
+          <a:off x="0" y="0"/>
+          <a:ext cx="0" cy="0"/>
+          <a:chOff x="0" y="0"/>
+          <a:chExt cx="0" cy="0"/>
+        </a:xfrm>
+      </p:grpSpPr>
+      <p:sp>
+        <p:nvSpPr>
+          <p:cNvPr id="2" name="Title 1"/>
+          <p:cNvSpPr>
+            <a:spLocks noGrp="1"/>
+          </p:cNvSpPr>
+          <p:nvPr>
+            <p:ph type="title"/>
+          </p:nvPr>
+        </p:nvSpPr>
+        <p:spPr/>
+        <p:txBody>
+          <a:bodyPr/>
+          <a:lstStyle/>
+          <a:p>
+            <a:pPr lvl="0" indent="0" marL="0">
+              <a:buNone/>
+            </a:pPr>
+            <a:r>
+              <a:rPr/>
+              <a:t>统计方法选择难题</a:t>
+            </a:r>
+          </a:p>
+        </p:txBody>
+      </p:sp>
+      <p:sp>
+        <p:nvSpPr>
+          <p:cNvPr id="3" name="Content Placeholder 2"/>
+          <p:cNvSpPr>
+            <a:spLocks noGrp="1"/>
+          </p:cNvSpPr>
+          <p:nvPr>
+            <p:ph idx="1"/>
+          </p:nvPr>
+        </p:nvSpPr>
+        <p:spPr/>
+        <p:txBody>
+          <a:bodyPr/>
+          <a:lstStyle/>
+          <a:p>
+            <a:pPr lvl="0" indent="0" marL="0">
+              <a:buNone/>
+            </a:pPr>
+            <a:r>
+              <a:rPr/>
+              <a:t>临床研究中常见因研究设计不清、变量类型不明、分析目的模糊，导致无法匹配合适的统计方法。</a:t>
+            </a:r>
+          </a:p>
+          <a:p>
+            <a:pPr lvl="0"/>
+            <a:r>
+              <a:rPr b="1"/>
+              <a:t>表现示例</a:t>
+            </a:r>
+            <a:r>
+              <a:rPr/>
+              <a:t>：</a:t>
+            </a:r>
+          </a:p>
+          <a:p>
+            <a:pPr lvl="1"/>
+            <a:r>
+              <a:rPr/>
+              <a:t>比较三组治疗方案效果，却只使用两两t检验；</a:t>
+            </a:r>
+          </a:p>
+          <a:p>
+            <a:pPr lvl="1"/>
+            <a:r>
+              <a:rPr/>
+              <a:t>二分类结局数据，误用线性回归而非logistic回归。</a:t>
+            </a:r>
+          </a:p>
+          <a:p>
+            <a:pPr lvl="0"/>
+            <a:r>
+              <a:rPr b="1"/>
+              <a:t>建议</a:t>
+            </a:r>
+            <a:r>
+              <a:rPr/>
+              <a:t>：</a:t>
+            </a:r>
+          </a:p>
+          <a:p>
+            <a:pPr lvl="1"/>
+            <a:r>
+              <a:rPr/>
+              <a:t>明确变量类型（定类、定序、定量）；</a:t>
+            </a:r>
+          </a:p>
+          <a:p>
+            <a:pPr lvl="1"/>
+            <a:r>
+              <a:rPr/>
+              <a:t>对照统计方法选择表，结合研究目的选择方法；</a:t>
+            </a:r>
+          </a:p>
+          <a:p>
+            <a:pPr lvl="1"/>
+            <a:r>
+              <a:rPr/>
+              <a:t>重要分析建议与统计师沟通确认。</a:t>
+            </a:r>
+          </a:p>
+        </p:txBody>
+      </p:sp>
+    </p:spTree>
+  </p:cSld>
+</p:sld>
+</file>
+
+<file path=ppt/slides/slide17.xml><?xml version="1.0" encoding="utf-8"?>
+<p:sld xmlns:a="http://schemas.openxmlformats.org/drawingml/2006/main" xmlns:r="http://schemas.openxmlformats.org/officeDocument/2006/relationships" xmlns:p="http://schemas.openxmlformats.org/presentationml/2006/main">
+  <p:cSld>
+    <p:spTree>
+      <p:nvGrpSpPr>
+        <p:cNvPr id="1" name=""/>
+        <p:cNvGrpSpPr/>
+        <p:nvPr/>
+      </p:nvGrpSpPr>
+      <p:grpSpPr>
+        <a:xfrm>
+          <a:off x="0" y="0"/>
+          <a:ext cx="0" cy="0"/>
+          <a:chOff x="0" y="0"/>
+          <a:chExt cx="0" cy="0"/>
+        </a:xfrm>
+      </p:grpSpPr>
+      <p:sp>
+        <p:nvSpPr>
+          <p:cNvPr id="2" name="Title 1"/>
+          <p:cNvSpPr>
+            <a:spLocks noGrp="1"/>
+          </p:cNvSpPr>
+          <p:nvPr>
+            <p:ph type="title"/>
+          </p:nvPr>
+        </p:nvSpPr>
+        <p:spPr/>
+        <p:txBody>
+          <a:bodyPr/>
+          <a:lstStyle/>
+          <a:p>
+            <a:pPr lvl="0" indent="0" marL="0">
+              <a:buNone/>
+            </a:pPr>
+            <a:r>
+              <a:rPr/>
+              <a:t>忽视方法适用前提</a:t>
+            </a:r>
+          </a:p>
+        </p:txBody>
+      </p:sp>
+      <p:sp>
+        <p:nvSpPr>
+          <p:cNvPr id="3" name="Content Placeholder 2"/>
+          <p:cNvSpPr>
+            <a:spLocks noGrp="1"/>
+          </p:cNvSpPr>
+          <p:nvPr>
+            <p:ph idx="1"/>
+          </p:nvPr>
+        </p:nvSpPr>
+        <p:spPr/>
+        <p:txBody>
+          <a:bodyPr/>
+          <a:lstStyle/>
+          <a:p>
+            <a:pPr lvl="0" indent="0" marL="0">
+              <a:buNone/>
+            </a:pPr>
+            <a:r>
+              <a:rPr/>
+              <a:t>统计方法的正确使用依赖一定的前提条件，如正态性、方差齐性、比例风险假设等，但在临床研究中常被忽略。</a:t>
+            </a:r>
+          </a:p>
+          <a:p>
+            <a:pPr lvl="0"/>
+            <a:r>
+              <a:rPr b="1"/>
+              <a:t>表现示例</a:t>
+            </a:r>
+            <a:r>
+              <a:rPr/>
+              <a:t>：</a:t>
+            </a:r>
+          </a:p>
+          <a:p>
+            <a:pPr lvl="1"/>
+            <a:r>
+              <a:rPr/>
+              <a:t>样本量小，未检验正态性即使用t检验；</a:t>
+            </a:r>
+          </a:p>
+          <a:p>
+            <a:pPr lvl="1"/>
+            <a:r>
+              <a:rPr/>
+              <a:t>Cox回归中未验证比例风险假设。</a:t>
+            </a:r>
+          </a:p>
+          <a:p>
+            <a:pPr lvl="0"/>
+            <a:r>
+              <a:rPr b="1"/>
+              <a:t>建议</a:t>
+            </a:r>
+            <a:r>
+              <a:rPr/>
+              <a:t>：</a:t>
+            </a:r>
+          </a:p>
+          <a:p>
+            <a:pPr lvl="1"/>
+            <a:r>
+              <a:rPr/>
+              <a:t>所有参数方法使用前应进行前提检验；</a:t>
+            </a:r>
+          </a:p>
+          <a:p>
+            <a:pPr lvl="1"/>
+            <a:r>
+              <a:rPr/>
+              <a:t>条件不满足时，考虑非参数方法或模型调整；</a:t>
+            </a:r>
+          </a:p>
+          <a:p>
+            <a:pPr lvl="1"/>
+            <a:r>
+              <a:rPr/>
+              <a:t>在方法部分中明确报告前提检验结果。</a:t>
+            </a:r>
+          </a:p>
+        </p:txBody>
+      </p:sp>
+    </p:spTree>
+  </p:cSld>
+</p:sld>
+</file>
+
+<file path=ppt/slides/slide18.xml><?xml version="1.0" encoding="utf-8"?>
+<p:sld xmlns:a="http://schemas.openxmlformats.org/drawingml/2006/main" xmlns:r="http://schemas.openxmlformats.org/officeDocument/2006/relationships" xmlns:p="http://schemas.openxmlformats.org/presentationml/2006/main">
+  <p:cSld>
+    <p:spTree>
+      <p:nvGrpSpPr>
+        <p:cNvPr id="1" name=""/>
+        <p:cNvGrpSpPr/>
+        <p:nvPr/>
+      </p:nvGrpSpPr>
+      <p:grpSpPr>
+        <a:xfrm>
+          <a:off x="0" y="0"/>
+          <a:ext cx="0" cy="0"/>
+          <a:chOff x="0" y="0"/>
+          <a:chExt cx="0" cy="0"/>
+        </a:xfrm>
+      </p:grpSpPr>
+      <p:sp>
+        <p:nvSpPr>
+          <p:cNvPr id="2" name="Title 1"/>
+          <p:cNvSpPr>
+            <a:spLocks noGrp="1"/>
+          </p:cNvSpPr>
+          <p:nvPr>
+            <p:ph type="title"/>
+          </p:nvPr>
+        </p:nvSpPr>
+        <p:spPr/>
+        <p:txBody>
+          <a:bodyPr/>
+          <a:lstStyle/>
+          <a:p>
+            <a:pPr lvl="0" indent="0" marL="0">
+              <a:buNone/>
+            </a:pPr>
+            <a:r>
+              <a:rPr/>
+              <a:t>统计结果呈现失范</a:t>
+            </a:r>
+          </a:p>
+        </p:txBody>
+      </p:sp>
+      <p:sp>
+        <p:nvSpPr>
+          <p:cNvPr id="3" name="Content Placeholder 2"/>
+          <p:cNvSpPr>
+            <a:spLocks noGrp="1"/>
+          </p:cNvSpPr>
+          <p:nvPr>
+            <p:ph idx="1"/>
+          </p:nvPr>
+        </p:nvSpPr>
+        <p:spPr/>
+        <p:txBody>
+          <a:bodyPr/>
+          <a:lstStyle/>
+          <a:p>
+            <a:pPr lvl="0" indent="0" marL="0">
+              <a:buNone/>
+            </a:pPr>
+            <a:r>
+              <a:rPr/>
+              <a:t>学术论文中统计结果呈现不规范，常表现为仅报P值、遗漏效应量与置信区间，或缺乏与临床意义的结合。</a:t>
+            </a:r>
+          </a:p>
+          <a:p>
+            <a:pPr lvl="0"/>
+            <a:r>
+              <a:rPr b="1"/>
+              <a:t>表现示例</a:t>
+            </a:r>
+            <a:r>
+              <a:rPr/>
+              <a:t>：</a:t>
+            </a:r>
+          </a:p>
+          <a:p>
+            <a:pPr lvl="1"/>
+            <a:r>
+              <a:rPr/>
+              <a:t>“A组与B组差异具有统计学意义（P=0.03）”——未报告差异值、CI；</a:t>
+            </a:r>
+          </a:p>
+          <a:p>
+            <a:pPr lvl="1"/>
+            <a:r>
+              <a:rPr/>
+              <a:t>将统计显著误解为临床有效。</a:t>
+            </a:r>
+          </a:p>
+          <a:p>
+            <a:pPr lvl="0"/>
+            <a:r>
+              <a:rPr b="1"/>
+              <a:t>建议</a:t>
+            </a:r>
+            <a:r>
+              <a:rPr/>
+              <a:t>：</a:t>
+            </a:r>
+          </a:p>
+          <a:p>
+            <a:pPr lvl="1"/>
+            <a:r>
+              <a:rPr/>
+              <a:t>完整报告：效应量（如OR、HR、均值差）+ 95%置信区间 + P值；</a:t>
+            </a:r>
+          </a:p>
+          <a:p>
+            <a:pPr lvl="1"/>
+            <a:r>
+              <a:rPr/>
+              <a:t>结合临床判断，讨论其现实意义；</a:t>
+            </a:r>
+          </a:p>
+          <a:p>
+            <a:pPr lvl="1"/>
+            <a:r>
+              <a:rPr/>
+              <a:t>避免绝对化用语，如“有显著差异”可换为“差异具有统计学意义”。</a:t>
+            </a:r>
+          </a:p>
+        </p:txBody>
+      </p:sp>
+    </p:spTree>
+  </p:cSld>
+</p:sld>
+</file>
+
+<file path=ppt/slides/slide19.xml><?xml version="1.0" encoding="utf-8"?>
+<p:sld xmlns:a="http://schemas.openxmlformats.org/drawingml/2006/main" xmlns:r="http://schemas.openxmlformats.org/officeDocument/2006/relationships" xmlns:p="http://schemas.openxmlformats.org/presentationml/2006/main">
+  <p:cSld>
+    <p:spTree>
+      <p:nvGrpSpPr>
+        <p:cNvPr id="1" name=""/>
+        <p:cNvGrpSpPr/>
+        <p:nvPr/>
+      </p:nvGrpSpPr>
+      <p:grpSpPr>
+        <a:xfrm>
+          <a:off x="0" y="0"/>
+          <a:ext cx="0" cy="0"/>
+          <a:chOff x="0" y="0"/>
+          <a:chExt cx="0" cy="0"/>
+        </a:xfrm>
+      </p:grpSpPr>
+      <p:sp>
+        <p:nvSpPr>
+          <p:cNvPr id="2" name="Title 1"/>
+          <p:cNvSpPr>
+            <a:spLocks noGrp="1"/>
+          </p:cNvSpPr>
+          <p:nvPr>
+            <p:ph type="title"/>
+          </p:nvPr>
+        </p:nvSpPr>
+        <p:spPr/>
+        <p:txBody>
+          <a:bodyPr/>
+          <a:lstStyle/>
+          <a:p>
+            <a:pPr lvl="0" indent="0" marL="0">
+              <a:buNone/>
+            </a:pPr>
+            <a:r>
+              <a:rPr/>
+              <a:t>DeepSeek辅助医学统计方法的整体梳理</a:t>
+            </a:r>
+          </a:p>
+        </p:txBody>
+      </p:sp>
+      <p:sp>
+        <p:nvSpPr>
+          <p:cNvPr id="3" name="Content Placeholder 2"/>
+          <p:cNvSpPr>
+            <a:spLocks noGrp="1"/>
+          </p:cNvSpPr>
+          <p:nvPr>
+            <p:ph idx="1"/>
+          </p:nvPr>
+        </p:nvSpPr>
+        <p:spPr/>
+        <p:txBody>
+          <a:bodyPr/>
+          <a:lstStyle/>
+          <a:p>
+            <a:pPr lvl="0"/>
+            <a:r>
+              <a:rPr/>
+              <a:t>常见分析类型：</a:t>
+            </a:r>
+          </a:p>
+          <a:p>
+            <a:pPr lvl="1"/>
+            <a:r>
+              <a:rPr/>
+              <a:t>描述性分析：均值、中位数、标准差等</a:t>
+            </a:r>
+          </a:p>
+          <a:p>
+            <a:pPr lvl="1"/>
+            <a:r>
+              <a:rPr/>
+              <a:t>比较分析：t检验、方差分析、χ²检验</a:t>
+            </a:r>
+          </a:p>
+          <a:p>
+            <a:pPr lvl="1"/>
+            <a:r>
+              <a:rPr/>
+              <a:t>回归模型：Logistic、Cox、线性回归</a:t>
+            </a:r>
+          </a:p>
+          <a:p>
+            <a:pPr lvl="1"/>
+            <a:r>
+              <a:rPr/>
+              <a:t>生存分析、ROC分析等</a:t>
+            </a:r>
+          </a:p>
+          <a:p>
+            <a:pPr lvl="0"/>
+            <a:r>
+              <a:rPr/>
+              <a:t>DeepSeek可自动：</a:t>
+            </a:r>
+          </a:p>
+          <a:p>
+            <a:pPr lvl="1"/>
+            <a:r>
+              <a:rPr/>
+              <a:t>识别变量类型</a:t>
+            </a:r>
+          </a:p>
+          <a:p>
+            <a:pPr lvl="1"/>
+            <a:r>
+              <a:rPr/>
+              <a:t>选择合适统计方法</a:t>
+            </a:r>
+          </a:p>
+          <a:p>
+            <a:pPr lvl="1"/>
+            <a:r>
+              <a:rPr/>
+              <a:t>提供代码与解释</a:t>
+            </a:r>
+          </a:p>
+          <a:p>
+            <a:pPr lvl="0"/>
+            <a:r>
+              <a:rPr/>
+              <a:t>案例：三组药物剂量比较疗效 → 推荐ANOVA或Kruskal-Wallis检验</a:t>
             </a:r>
           </a:p>
         </p:txBody>
@@ -3687,7 +4431,7 @@
             </a:pPr>
             <a:r>
               <a:rPr/>
-              <a:t>第1章 统计分析与Excel概览</a:t>
+              <a:t>模块九 DeepSeek辅助傻瓜式医学统计</a:t>
             </a:r>
           </a:p>
         </p:txBody>
@@ -3710,28 +4454,35 @@
             <a:pPr lvl="0"/>
             <a:r>
               <a:rPr/>
-              <a:t>1.1 统计分析的步骤</a:t>
-            </a:r>
-          </a:p>
-          <a:p>
-            <a:pPr lvl="0"/>
-            <a:r>
-              <a:rPr/>
-              <a:t>1.2 Excel的统计分析工具</a:t>
-            </a:r>
-          </a:p>
-          <a:p>
-            <a:pPr lvl="0"/>
-            <a:r>
-              <a:rPr/>
-              <a:t>1.3 Excel常用技巧</a:t>
-            </a:r>
-          </a:p>
-          <a:p>
-            <a:pPr lvl="0"/>
-            <a:r>
-              <a:rPr/>
-              <a:t>1.4 Excel的数据清洗工具</a:t>
+              <a:t>9.1 DeepSeek辅助统计理念快速入门</a:t>
+            </a:r>
+          </a:p>
+          <a:p>
+            <a:pPr lvl="0"/>
+            <a:r>
+              <a:rPr/>
+              <a:t>9.2 DeepSeek辅助医学统计方法的整体梳理</a:t>
+            </a:r>
+          </a:p>
+          <a:p>
+            <a:pPr lvl="0"/>
+            <a:r>
+              <a:rPr/>
+              <a:t>9.3 DeepSeek辅助论文统计学梳理</a:t>
+            </a:r>
+          </a:p>
+          <a:p>
+            <a:pPr lvl="0"/>
+            <a:r>
+              <a:rPr/>
+              <a:t>9.4 DeepSeek辅助统计分析的玩法</a:t>
+            </a:r>
+          </a:p>
+          <a:p>
+            <a:pPr lvl="0"/>
+            <a:r>
+              <a:rPr/>
+              <a:t>9.5 作业互动与问答：统计再也不怕</a:t>
             </a:r>
           </a:p>
         </p:txBody>
@@ -3741,7 +4492,7 @@
 </p:sld>
 </file>
 
-<file path=ppt/slides/slide3.xml><?xml version="1.0" encoding="utf-8"?>
+<file path=ppt/slides/slide20.xml><?xml version="1.0" encoding="utf-8"?>
 <p:sld xmlns:a="http://schemas.openxmlformats.org/drawingml/2006/main" xmlns:r="http://schemas.openxmlformats.org/officeDocument/2006/relationships" xmlns:p="http://schemas.openxmlformats.org/presentationml/2006/main">
   <p:cSld>
     <p:spTree>
@@ -3778,7 +4529,527 @@
             </a:pPr>
             <a:r>
               <a:rPr/>
-              <a:t>1.1 统计分析的步骤</a:t>
+              <a:t>DeepSeek辅助论文统计学梳理</a:t>
+            </a:r>
+          </a:p>
+        </p:txBody>
+      </p:sp>
+      <p:sp>
+        <p:nvSpPr>
+          <p:cNvPr id="3" name="Content Placeholder 2"/>
+          <p:cNvSpPr>
+            <a:spLocks noGrp="1"/>
+          </p:cNvSpPr>
+          <p:nvPr>
+            <p:ph idx="1"/>
+          </p:nvPr>
+        </p:nvSpPr>
+        <p:spPr/>
+        <p:txBody>
+          <a:bodyPr/>
+          <a:lstStyle/>
+          <a:p>
+            <a:pPr lvl="0"/>
+            <a:r>
+              <a:rPr/>
+              <a:t>阅读文献时：</a:t>
+            </a:r>
+          </a:p>
+          <a:p>
+            <a:pPr lvl="1"/>
+            <a:r>
+              <a:rPr/>
+              <a:t>解读多因素分析结果、P值、置信区间</a:t>
+            </a:r>
+          </a:p>
+          <a:p>
+            <a:pPr lvl="1"/>
+            <a:r>
+              <a:rPr/>
+              <a:t>判断方法是否使用得当</a:t>
+            </a:r>
+          </a:p>
+          <a:p>
+            <a:pPr lvl="0"/>
+            <a:r>
+              <a:rPr/>
+              <a:t>撰写论文时：</a:t>
+            </a:r>
+          </a:p>
+          <a:p>
+            <a:pPr lvl="1"/>
+            <a:r>
+              <a:rPr/>
+              <a:t>自动生成统计学方法部分</a:t>
+            </a:r>
+          </a:p>
+          <a:p>
+            <a:pPr lvl="1"/>
+            <a:r>
+              <a:rPr/>
+              <a:t>输出规范表达模板（符合STROBE）</a:t>
+            </a:r>
+          </a:p>
+          <a:p>
+            <a:pPr lvl="1"/>
+            <a:r>
+              <a:rPr/>
+              <a:t>图表及描述自动生成</a:t>
+            </a:r>
+          </a:p>
+          <a:p>
+            <a:pPr lvl="0"/>
+            <a:r>
+              <a:rPr/>
+              <a:t>案例：术后感染因素分析 → 自动生成logistic回归段落</a:t>
+            </a:r>
+          </a:p>
+        </p:txBody>
+      </p:sp>
+    </p:spTree>
+  </p:cSld>
+</p:sld>
+</file>
+
+<file path=ppt/slides/slide21.xml><?xml version="1.0" encoding="utf-8"?>
+<p:sld xmlns:a="http://schemas.openxmlformats.org/drawingml/2006/main" xmlns:r="http://schemas.openxmlformats.org/officeDocument/2006/relationships" xmlns:p="http://schemas.openxmlformats.org/presentationml/2006/main">
+  <p:cSld>
+    <p:spTree>
+      <p:nvGrpSpPr>
+        <p:cNvPr id="1" name=""/>
+        <p:cNvGrpSpPr/>
+        <p:nvPr/>
+      </p:nvGrpSpPr>
+      <p:grpSpPr>
+        <a:xfrm>
+          <a:off x="0" y="0"/>
+          <a:ext cx="0" cy="0"/>
+          <a:chOff x="0" y="0"/>
+          <a:chExt cx="0" cy="0"/>
+        </a:xfrm>
+      </p:grpSpPr>
+      <p:sp>
+        <p:nvSpPr>
+          <p:cNvPr id="2" name="Title 1"/>
+          <p:cNvSpPr>
+            <a:spLocks noGrp="1"/>
+          </p:cNvSpPr>
+          <p:nvPr>
+            <p:ph type="title"/>
+          </p:nvPr>
+        </p:nvSpPr>
+        <p:spPr/>
+        <p:txBody>
+          <a:bodyPr/>
+          <a:lstStyle/>
+          <a:p>
+            <a:pPr lvl="0" indent="0" marL="0">
+              <a:buNone/>
+            </a:pPr>
+            <a:r>
+              <a:rPr/>
+              <a:t>DeepSeek辅助统计分析的玩法</a:t>
+            </a:r>
+          </a:p>
+        </p:txBody>
+      </p:sp>
+      <p:sp>
+        <p:nvSpPr>
+          <p:cNvPr id="3" name="Content Placeholder 2"/>
+          <p:cNvSpPr>
+            <a:spLocks noGrp="1"/>
+          </p:cNvSpPr>
+          <p:nvPr>
+            <p:ph idx="1"/>
+          </p:nvPr>
+        </p:nvSpPr>
+        <p:spPr/>
+        <p:txBody>
+          <a:bodyPr/>
+          <a:lstStyle/>
+          <a:p>
+            <a:pPr lvl="0"/>
+            <a:r>
+              <a:rPr/>
+              <a:t>玩法一：自然语言分析</a:t>
+            </a:r>
+          </a:p>
+          <a:p>
+            <a:pPr lvl="1"/>
+            <a:r>
+              <a:rPr/>
+              <a:t>例：“吸烟、饮酒、肥胖谁更影响心血管？”</a:t>
+            </a:r>
+          </a:p>
+          <a:p>
+            <a:pPr lvl="0"/>
+            <a:r>
+              <a:rPr/>
+              <a:t>玩法二：自动生成图表</a:t>
+            </a:r>
+          </a:p>
+          <a:p>
+            <a:pPr lvl="1"/>
+            <a:r>
+              <a:rPr/>
+              <a:t>ROC、K-M、生存图、散点图等</a:t>
+            </a:r>
+          </a:p>
+          <a:p>
+            <a:pPr lvl="0"/>
+            <a:r>
+              <a:rPr/>
+              <a:t>玩法三：模型快速迭代</a:t>
+            </a:r>
+          </a:p>
+          <a:p>
+            <a:pPr lvl="1"/>
+            <a:r>
+              <a:rPr/>
+              <a:t>变量选择、模型优化</a:t>
+            </a:r>
+          </a:p>
+          <a:p>
+            <a:pPr lvl="0"/>
+            <a:r>
+              <a:rPr/>
+              <a:t>案例：急性胰腺炎死亡风险预测 → 提供ROC曲线与解释</a:t>
+            </a:r>
+          </a:p>
+        </p:txBody>
+      </p:sp>
+    </p:spTree>
+  </p:cSld>
+</p:sld>
+</file>
+
+<file path=ppt/slides/slide22.xml><?xml version="1.0" encoding="utf-8"?>
+<p:sld xmlns:a="http://schemas.openxmlformats.org/drawingml/2006/main" xmlns:r="http://schemas.openxmlformats.org/officeDocument/2006/relationships" xmlns:p="http://schemas.openxmlformats.org/presentationml/2006/main">
+  <p:cSld>
+    <p:spTree>
+      <p:nvGrpSpPr>
+        <p:cNvPr id="1" name=""/>
+        <p:cNvGrpSpPr/>
+        <p:nvPr/>
+      </p:nvGrpSpPr>
+      <p:grpSpPr>
+        <a:xfrm>
+          <a:off x="0" y="0"/>
+          <a:ext cx="0" cy="0"/>
+          <a:chOff x="0" y="0"/>
+          <a:chExt cx="0" cy="0"/>
+        </a:xfrm>
+      </p:grpSpPr>
+      <p:sp>
+        <p:nvSpPr>
+          <p:cNvPr id="2" name="Title 1"/>
+          <p:cNvSpPr>
+            <a:spLocks noGrp="1"/>
+          </p:cNvSpPr>
+          <p:nvPr>
+            <p:ph type="title"/>
+          </p:nvPr>
+        </p:nvSpPr>
+        <p:spPr/>
+        <p:txBody>
+          <a:bodyPr/>
+          <a:lstStyle/>
+          <a:p>
+            <a:pPr lvl="0" indent="0" marL="0">
+              <a:buNone/>
+            </a:pPr>
+            <a:r>
+              <a:rPr/>
+              <a:t>作业互动与问答：统计再也不怕</a:t>
+            </a:r>
+          </a:p>
+        </p:txBody>
+      </p:sp>
+      <p:sp>
+        <p:nvSpPr>
+          <p:cNvPr id="3" name="Content Placeholder 2"/>
+          <p:cNvSpPr>
+            <a:spLocks noGrp="1"/>
+          </p:cNvSpPr>
+          <p:nvPr>
+            <p:ph idx="1"/>
+          </p:nvPr>
+        </p:nvSpPr>
+        <p:spPr/>
+        <p:txBody>
+          <a:bodyPr/>
+          <a:lstStyle/>
+          <a:p>
+            <a:pPr lvl="0"/>
+            <a:r>
+              <a:rPr/>
+              <a:t>现场实操练习：提供模拟数据（如Excel）</a:t>
+            </a:r>
+          </a:p>
+          <a:p>
+            <a:pPr lvl="1"/>
+            <a:r>
+              <a:rPr/>
+              <a:t>提问：“哪些变量影响术后恢复时间？”</a:t>
+            </a:r>
+          </a:p>
+          <a:p>
+            <a:pPr lvl="1"/>
+            <a:r>
+              <a:rPr/>
+              <a:t>使用DeepSeek完成分析、写结果段</a:t>
+            </a:r>
+          </a:p>
+          <a:p>
+            <a:pPr lvl="0"/>
+            <a:r>
+              <a:rPr/>
+              <a:t>统计恐惧问答箱：</a:t>
+            </a:r>
+          </a:p>
+          <a:p>
+            <a:pPr lvl="1"/>
+            <a:r>
+              <a:rPr/>
+              <a:t>医生匿名提问，现场演示DeepSeek回答</a:t>
+            </a:r>
+          </a:p>
+          <a:p>
+            <a:pPr lvl="0"/>
+            <a:r>
+              <a:rPr/>
+              <a:t>分享与总结：</a:t>
+            </a:r>
+          </a:p>
+          <a:p>
+            <a:pPr lvl="1"/>
+            <a:r>
+              <a:rPr/>
+              <a:t>医生讲感受，交流使用心得</a:t>
+            </a:r>
+          </a:p>
+        </p:txBody>
+      </p:sp>
+    </p:spTree>
+  </p:cSld>
+</p:sld>
+</file>
+
+<file path=ppt/slides/slide23.xml><?xml version="1.0" encoding="utf-8"?>
+<p:sld xmlns:a="http://schemas.openxmlformats.org/drawingml/2006/main" xmlns:r="http://schemas.openxmlformats.org/officeDocument/2006/relationships" xmlns:p="http://schemas.openxmlformats.org/presentationml/2006/main">
+  <p:cSld>
+    <p:spTree>
+      <p:nvGrpSpPr>
+        <p:cNvPr id="1" name=""/>
+        <p:cNvGrpSpPr/>
+        <p:nvPr/>
+      </p:nvGrpSpPr>
+      <p:grpSpPr>
+        <a:xfrm>
+          <a:off x="0" y="0"/>
+          <a:ext cx="0" cy="0"/>
+          <a:chOff x="0" y="0"/>
+          <a:chExt cx="0" cy="0"/>
+        </a:xfrm>
+      </p:grpSpPr>
+      <p:sp>
+        <p:nvSpPr>
+          <p:cNvPr id="2" name="Title 1"/>
+          <p:cNvSpPr>
+            <a:spLocks noGrp="1"/>
+          </p:cNvSpPr>
+          <p:nvPr>
+            <p:ph type="title"/>
+          </p:nvPr>
+        </p:nvSpPr>
+        <p:spPr/>
+        <p:txBody>
+          <a:bodyPr/>
+          <a:lstStyle/>
+          <a:p>
+            <a:pPr lvl="0" indent="0" marL="0">
+              <a:buNone/>
+            </a:pPr>
+            <a:r>
+              <a:rPr/>
+              <a:t>总结与资源推荐</a:t>
+            </a:r>
+          </a:p>
+        </p:txBody>
+      </p:sp>
+      <p:sp>
+        <p:nvSpPr>
+          <p:cNvPr id="3" name="Content Placeholder 2"/>
+          <p:cNvSpPr>
+            <a:spLocks noGrp="1"/>
+          </p:cNvSpPr>
+          <p:nvPr>
+            <p:ph idx="1"/>
+          </p:nvPr>
+        </p:nvSpPr>
+        <p:spPr/>
+        <p:txBody>
+          <a:bodyPr/>
+          <a:lstStyle/>
+          <a:p>
+            <a:pPr lvl="0"/>
+            <a:r>
+              <a:rPr/>
+              <a:t>核心理念：让AI做助手，医生专注科研思考</a:t>
+            </a:r>
+          </a:p>
+          <a:p>
+            <a:pPr lvl="0"/>
+            <a:r>
+              <a:rPr/>
+              <a:t>提供资源：</a:t>
+            </a:r>
+          </a:p>
+          <a:p>
+            <a:pPr lvl="1"/>
+            <a:r>
+              <a:rPr/>
+              <a:t>模拟数据练习文件</a:t>
+            </a:r>
+          </a:p>
+          <a:p>
+            <a:pPr lvl="1"/>
+            <a:r>
+              <a:rPr/>
+              <a:t>常见提问模板</a:t>
+            </a:r>
+          </a:p>
+          <a:p>
+            <a:pPr lvl="1"/>
+            <a:r>
+              <a:rPr/>
+              <a:t>快捷指令清单</a:t>
+            </a:r>
+          </a:p>
+          <a:p>
+            <a:pPr lvl="0"/>
+            <a:r>
+              <a:rPr/>
+              <a:t>欢迎关注公众号 / 网站获取更新</a:t>
+            </a:r>
+          </a:p>
+        </p:txBody>
+      </p:sp>
+    </p:spTree>
+  </p:cSld>
+</p:sld>
+</file>
+
+<file path=ppt/slides/slide24.xml><?xml version="1.0" encoding="utf-8"?>
+<p:sld xmlns:a="http://schemas.openxmlformats.org/drawingml/2006/main" xmlns:r="http://schemas.openxmlformats.org/officeDocument/2006/relationships" xmlns:p="http://schemas.openxmlformats.org/presentationml/2006/main">
+  <p:cSld>
+    <p:spTree>
+      <p:nvGrpSpPr>
+        <p:cNvPr id="1" name=""/>
+        <p:cNvGrpSpPr/>
+        <p:nvPr/>
+      </p:nvGrpSpPr>
+      <p:grpSpPr>
+        <a:xfrm>
+          <a:off x="0" y="0"/>
+          <a:ext cx="0" cy="0"/>
+          <a:chOff x="0" y="0"/>
+          <a:chExt cx="0" cy="0"/>
+        </a:xfrm>
+      </p:grpSpPr>
+      <p:sp>
+        <p:nvSpPr>
+          <p:cNvPr id="2" name="Title 1"/>
+          <p:cNvSpPr>
+            <a:spLocks noGrp="1"/>
+          </p:cNvSpPr>
+          <p:nvPr>
+            <p:ph type="title"/>
+          </p:nvPr>
+        </p:nvSpPr>
+        <p:spPr/>
+        <p:txBody>
+          <a:bodyPr/>
+          <a:lstStyle/>
+          <a:p>
+            <a:pPr lvl="0" indent="0" marL="0">
+              <a:buNone/>
+            </a:pPr>
+            <a:r>
+              <a:rPr/>
+              <a:t>致谢</a:t>
+            </a:r>
+          </a:p>
+        </p:txBody>
+      </p:sp>
+      <p:sp>
+        <p:nvSpPr>
+          <p:cNvPr id="3" name="Content Placeholder 2"/>
+          <p:cNvSpPr>
+            <a:spLocks noGrp="1"/>
+          </p:cNvSpPr>
+          <p:nvPr>
+            <p:ph idx="1"/>
+          </p:nvPr>
+        </p:nvSpPr>
+        <p:spPr/>
+        <p:txBody>
+          <a:bodyPr/>
+          <a:lstStyle/>
+          <a:p>
+            <a:pPr lvl="0" indent="0" marL="0">
+              <a:buNone/>
+            </a:pPr>
+            <a:r>
+              <a:rPr/>
+              <a:t>感谢大家的参与！欢迎提问交流！</a:t>
+            </a:r>
+          </a:p>
+        </p:txBody>
+      </p:sp>
+    </p:spTree>
+  </p:cSld>
+</p:sld>
+</file>
+
+<file path=ppt/slides/slide25.xml><?xml version="1.0" encoding="utf-8"?>
+<p:sld xmlns:a="http://schemas.openxmlformats.org/drawingml/2006/main" xmlns:r="http://schemas.openxmlformats.org/officeDocument/2006/relationships" xmlns:p="http://schemas.openxmlformats.org/presentationml/2006/main">
+  <p:cSld>
+    <p:spTree>
+      <p:nvGrpSpPr>
+        <p:cNvPr id="1" name=""/>
+        <p:cNvGrpSpPr/>
+        <p:nvPr/>
+      </p:nvGrpSpPr>
+      <p:grpSpPr>
+        <a:xfrm>
+          <a:off x="0" y="0"/>
+          <a:ext cx="0" cy="0"/>
+          <a:chOff x="0" y="0"/>
+          <a:chExt cx="0" cy="0"/>
+        </a:xfrm>
+      </p:grpSpPr>
+      <p:sp>
+        <p:nvSpPr>
+          <p:cNvPr id="2" name="Title 1"/>
+          <p:cNvSpPr>
+            <a:spLocks noGrp="1"/>
+          </p:cNvSpPr>
+          <p:nvPr>
+            <p:ph type="title"/>
+          </p:nvPr>
+        </p:nvSpPr>
+        <p:spPr/>
+        <p:txBody>
+          <a:bodyPr/>
+          <a:lstStyle/>
+          <a:p>
+            <a:pPr lvl="0" indent="0" marL="0">
+              <a:buNone/>
+            </a:pPr>
+            <a:r>
+              <a:rPr/>
+              <a:t>9.1 DeepSeek辅助统计理念快速入门</a:t>
             </a:r>
           </a:p>
         </p:txBody>
@@ -4061,6 +5332,1043 @@
 </p:sld>
 </file>
 
+<file path=ppt/slides/slide26.xml><?xml version="1.0" encoding="utf-8"?>
+<p:sld xmlns:a="http://schemas.openxmlformats.org/drawingml/2006/main" xmlns:r="http://schemas.openxmlformats.org/officeDocument/2006/relationships" xmlns:p="http://schemas.openxmlformats.org/presentationml/2006/main">
+  <p:cSld>
+    <p:spTree>
+      <p:nvGrpSpPr>
+        <p:cNvPr id="1" name=""/>
+        <p:cNvGrpSpPr/>
+        <p:nvPr/>
+      </p:nvGrpSpPr>
+      <p:grpSpPr>
+        <a:xfrm>
+          <a:off x="0" y="0"/>
+          <a:ext cx="0" cy="0"/>
+          <a:chOff x="0" y="0"/>
+          <a:chExt cx="0" cy="0"/>
+        </a:xfrm>
+      </p:grpSpPr>
+      <p:sp>
+        <p:nvSpPr>
+          <p:cNvPr id="2" name="Title 1"/>
+          <p:cNvSpPr>
+            <a:spLocks noGrp="1"/>
+          </p:cNvSpPr>
+          <p:nvPr>
+            <p:ph type="title"/>
+          </p:nvPr>
+        </p:nvSpPr>
+        <p:spPr/>
+        <p:txBody>
+          <a:bodyPr/>
+          <a:lstStyle/>
+          <a:p>
+            <a:pPr lvl="0" indent="0" marL="0">
+              <a:buNone/>
+            </a:pPr>
+            <a:r>
+              <a:rPr/>
+              <a:t>1.1.1 收集数据</a:t>
+            </a:r>
+          </a:p>
+        </p:txBody>
+      </p:sp>
+      <p:sp>
+        <p:nvSpPr>
+          <p:cNvPr id="3" name="Content Placeholder 2"/>
+          <p:cNvSpPr>
+            <a:spLocks noGrp="1"/>
+          </p:cNvSpPr>
+          <p:nvPr>
+            <p:ph idx="1"/>
+          </p:nvPr>
+        </p:nvSpPr>
+        <p:spPr/>
+        <p:txBody>
+          <a:bodyPr/>
+          <a:lstStyle/>
+          <a:p>
+            <a:pPr lvl="0"/>
+            <a:r>
+              <a:rPr/>
+              <a:t>宏观数据</a:t>
+            </a:r>
+          </a:p>
+          <a:p>
+            <a:pPr lvl="0"/>
+            <a:r>
+              <a:rPr/>
+              <a:t>微观数据</a:t>
+            </a:r>
+          </a:p>
+          <a:p>
+            <a:pPr lvl="0"/>
+            <a:r>
+              <a:rPr/>
+              <a:t>截面数据</a:t>
+            </a:r>
+          </a:p>
+          <a:p>
+            <a:pPr lvl="0"/>
+            <a:r>
+              <a:rPr/>
+              <a:t>时间序列</a:t>
+            </a:r>
+          </a:p>
+          <a:p>
+            <a:pPr lvl="0"/>
+            <a:r>
+              <a:rPr/>
+              <a:t>定性数据</a:t>
+            </a:r>
+          </a:p>
+          <a:p>
+            <a:pPr lvl="0"/>
+            <a:r>
+              <a:rPr/>
+              <a:t>定量数据</a:t>
+            </a:r>
+          </a:p>
+        </p:txBody>
+      </p:sp>
+    </p:spTree>
+  </p:cSld>
+</p:sld>
+</file>
+
+<file path=ppt/slides/slide27.xml><?xml version="1.0" encoding="utf-8"?>
+<p:sld xmlns:a="http://schemas.openxmlformats.org/drawingml/2006/main" xmlns:r="http://schemas.openxmlformats.org/officeDocument/2006/relationships" xmlns:p="http://schemas.openxmlformats.org/presentationml/2006/main">
+  <p:cSld>
+    <p:spTree>
+      <p:nvGrpSpPr>
+        <p:cNvPr id="1" name=""/>
+        <p:cNvGrpSpPr/>
+        <p:nvPr/>
+      </p:nvGrpSpPr>
+      <p:grpSpPr>
+        <a:xfrm>
+          <a:off x="0" y="0"/>
+          <a:ext cx="0" cy="0"/>
+          <a:chOff x="0" y="0"/>
+          <a:chExt cx="0" cy="0"/>
+        </a:xfrm>
+      </p:grpSpPr>
+      <p:sp>
+        <p:nvSpPr>
+          <p:cNvPr id="2" name="Title 1"/>
+          <p:cNvSpPr>
+            <a:spLocks noGrp="1"/>
+          </p:cNvSpPr>
+          <p:nvPr>
+            <p:ph type="title"/>
+          </p:nvPr>
+        </p:nvSpPr>
+        <p:spPr/>
+        <p:txBody>
+          <a:bodyPr/>
+          <a:lstStyle/>
+          <a:p>
+            <a:pPr lvl="0" indent="0" marL="0">
+              <a:buNone/>
+            </a:pPr>
+            <a:r>
+              <a:rPr/>
+              <a:t>1.1.2 整理数据</a:t>
+            </a:r>
+          </a:p>
+        </p:txBody>
+      </p:sp>
+      <p:sp>
+        <p:nvSpPr>
+          <p:cNvPr id="3" name="Content Placeholder 2"/>
+          <p:cNvSpPr>
+            <a:spLocks noGrp="1"/>
+          </p:cNvSpPr>
+          <p:nvPr>
+            <p:ph idx="1"/>
+          </p:nvPr>
+        </p:nvSpPr>
+        <p:spPr/>
+        <p:txBody>
+          <a:bodyPr/>
+          <a:lstStyle/>
+          <a:p>
+            <a:pPr lvl="0"/>
+            <a:r>
+              <a:rPr/>
+              <a:t>将数据转化为结构化表格的形式，其中每一行代表一个观测单元，每一列代表一个变量。</a:t>
+            </a:r>
+          </a:p>
+          <a:p>
+            <a:pPr lvl="0"/>
+            <a:r>
+              <a:rPr/>
+              <a:t>检查数据的完整性和合理性，包括查看是否存在重复个案、缺失值、异常值，以及将文本转化为数值代码。</a:t>
+            </a:r>
+          </a:p>
+          <a:p>
+            <a:pPr lvl="0"/>
+            <a:r>
+              <a:rPr/>
+              <a:t>详见：1.4 Excel中的数据清洗工具</a:t>
+            </a:r>
+          </a:p>
+        </p:txBody>
+      </p:sp>
+    </p:spTree>
+  </p:cSld>
+</p:sld>
+</file>
+
+<file path=ppt/slides/slide28.xml><?xml version="1.0" encoding="utf-8"?>
+<p:sld xmlns:a="http://schemas.openxmlformats.org/drawingml/2006/main" xmlns:r="http://schemas.openxmlformats.org/officeDocument/2006/relationships" xmlns:p="http://schemas.openxmlformats.org/presentationml/2006/main">
+  <p:cSld>
+    <p:spTree>
+      <p:nvGrpSpPr>
+        <p:cNvPr id="1" name=""/>
+        <p:cNvGrpSpPr/>
+        <p:nvPr/>
+      </p:nvGrpSpPr>
+      <p:grpSpPr>
+        <a:xfrm>
+          <a:off x="0" y="0"/>
+          <a:ext cx="0" cy="0"/>
+          <a:chOff x="0" y="0"/>
+          <a:chExt cx="0" cy="0"/>
+        </a:xfrm>
+      </p:grpSpPr>
+      <p:sp>
+        <p:nvSpPr>
+          <p:cNvPr id="2" name="Title 1"/>
+          <p:cNvSpPr>
+            <a:spLocks noGrp="1"/>
+          </p:cNvSpPr>
+          <p:nvPr>
+            <p:ph type="title"/>
+          </p:nvPr>
+        </p:nvSpPr>
+        <p:spPr/>
+        <p:txBody>
+          <a:bodyPr/>
+          <a:lstStyle/>
+          <a:p>
+            <a:pPr lvl="0" indent="0" marL="0">
+              <a:buNone/>
+            </a:pPr>
+            <a:r>
+              <a:rPr/>
+              <a:t>1.1.3 分析数据</a:t>
+            </a:r>
+          </a:p>
+        </p:txBody>
+      </p:sp>
+      <p:sp>
+        <p:nvSpPr>
+          <p:cNvPr id="3" name="Content Placeholder 2"/>
+          <p:cNvSpPr>
+            <a:spLocks noGrp="1"/>
+          </p:cNvSpPr>
+          <p:nvPr>
+            <p:ph idx="1"/>
+          </p:nvPr>
+        </p:nvSpPr>
+        <p:spPr/>
+        <p:txBody>
+          <a:bodyPr/>
+          <a:lstStyle/>
+          <a:p>
+            <a:pPr lvl="0"/>
+            <a:r>
+              <a:rPr/>
+              <a:t>描述统计：利用表格和图形对数据进行呈现，计算均值、中位数、标准差等描述性统计量。</a:t>
+            </a:r>
+          </a:p>
+          <a:p>
+            <a:pPr lvl="0"/>
+            <a:r>
+              <a:rPr/>
+              <a:t>推断统计：根据样本数据对总体特征进行推断。</a:t>
+            </a:r>
+          </a:p>
+        </p:txBody>
+      </p:sp>
+    </p:spTree>
+  </p:cSld>
+</p:sld>
+</file>
+
+<file path=ppt/slides/slide29.xml><?xml version="1.0" encoding="utf-8"?>
+<p:sld xmlns:a="http://schemas.openxmlformats.org/drawingml/2006/main" xmlns:r="http://schemas.openxmlformats.org/officeDocument/2006/relationships" xmlns:p="http://schemas.openxmlformats.org/presentationml/2006/main">
+  <p:cSld>
+    <p:spTree>
+      <p:nvGrpSpPr>
+        <p:cNvPr id="1" name=""/>
+        <p:cNvGrpSpPr/>
+        <p:nvPr/>
+      </p:nvGrpSpPr>
+      <p:grpSpPr>
+        <a:xfrm>
+          <a:off x="0" y="0"/>
+          <a:ext cx="0" cy="0"/>
+          <a:chOff x="0" y="0"/>
+          <a:chExt cx="0" cy="0"/>
+        </a:xfrm>
+      </p:grpSpPr>
+      <p:sp>
+        <p:nvSpPr>
+          <p:cNvPr id="2" name="Title 1"/>
+          <p:cNvSpPr>
+            <a:spLocks noGrp="1"/>
+          </p:cNvSpPr>
+          <p:nvPr>
+            <p:ph type="title"/>
+          </p:nvPr>
+        </p:nvSpPr>
+        <p:spPr/>
+        <p:txBody>
+          <a:bodyPr/>
+          <a:lstStyle/>
+          <a:p>
+            <a:pPr lvl="0" indent="0" marL="0">
+              <a:buNone/>
+            </a:pPr>
+            <a:r>
+              <a:rPr/>
+              <a:t>1.1.3 分析数据</a:t>
+            </a:r>
+          </a:p>
+        </p:txBody>
+      </p:sp>
+      <p:sp>
+        <p:nvSpPr>
+          <p:cNvPr id="3" name="Content Placeholder 2"/>
+          <p:cNvSpPr>
+            <a:spLocks noGrp="1"/>
+          </p:cNvSpPr>
+          <p:nvPr>
+            <p:ph idx="1"/>
+          </p:nvPr>
+        </p:nvSpPr>
+        <p:spPr/>
+        <p:txBody>
+          <a:bodyPr/>
+          <a:lstStyle/>
+          <a:p>
+            <a:pPr lvl="0"/>
+            <a:r>
+              <a:rPr/>
+              <a:t>第2章-第5章：描述统计方法</a:t>
+            </a:r>
+          </a:p>
+          <a:p>
+            <a:pPr lvl="0"/>
+            <a:r>
+              <a:rPr/>
+              <a:t>第6章至第8章：推断统计准备知识</a:t>
+            </a:r>
+          </a:p>
+          <a:p>
+            <a:pPr lvl="0"/>
+            <a:r>
+              <a:rPr/>
+              <a:t>第9章至第15章：推断统计方法</a:t>
+            </a:r>
+          </a:p>
+          <a:p>
+            <a:pPr lvl="0"/>
+            <a:r>
+              <a:rPr/>
+              <a:t>第16章：时间序列</a:t>
+            </a:r>
+          </a:p>
+        </p:txBody>
+      </p:sp>
+    </p:spTree>
+  </p:cSld>
+</p:sld>
+</file>
+
+<file path=ppt/slides/slide3.xml><?xml version="1.0" encoding="utf-8"?>
+<p:sld xmlns:a="http://schemas.openxmlformats.org/drawingml/2006/main" xmlns:r="http://schemas.openxmlformats.org/officeDocument/2006/relationships" xmlns:p="http://schemas.openxmlformats.org/presentationml/2006/main">
+  <p:cSld>
+    <p:spTree>
+      <p:nvGrpSpPr>
+        <p:cNvPr id="1" name=""/>
+        <p:cNvGrpSpPr/>
+        <p:nvPr/>
+      </p:nvGrpSpPr>
+      <p:grpSpPr>
+        <a:xfrm>
+          <a:off x="0" y="0"/>
+          <a:ext cx="0" cy="0"/>
+          <a:chOff x="0" y="0"/>
+          <a:chExt cx="0" cy="0"/>
+        </a:xfrm>
+      </p:grpSpPr>
+      <p:sp>
+        <p:nvSpPr>
+          <p:cNvPr id="2" name="Title 1"/>
+          <p:cNvSpPr>
+            <a:spLocks noGrp="1"/>
+          </p:cNvSpPr>
+          <p:nvPr>
+            <p:ph type="title"/>
+          </p:nvPr>
+        </p:nvSpPr>
+        <p:spPr/>
+        <p:txBody>
+          <a:bodyPr/>
+          <a:lstStyle/>
+          <a:p>
+            <a:pPr lvl="0" indent="0" marL="0">
+              <a:buNone/>
+            </a:pPr>
+            <a:r>
+              <a:rPr/>
+              <a:t>9.1 DeepSeek辅助统计理念快速入门</a:t>
+            </a:r>
+          </a:p>
+        </p:txBody>
+      </p:sp>
+      <p:sp>
+        <p:nvSpPr>
+          <p:cNvPr id="3" name="Content Placeholder 2"/>
+          <p:cNvSpPr>
+            <a:spLocks noGrp="1"/>
+          </p:cNvSpPr>
+          <p:nvPr>
+            <p:ph idx="1"/>
+          </p:nvPr>
+        </p:nvSpPr>
+        <p:spPr/>
+        <p:txBody>
+          <a:bodyPr/>
+          <a:lstStyle/>
+          <a:p>
+            <a:pPr lvl="0"/>
+            <a:r>
+              <a:rPr/>
+              <a:t>9.1.1 理念导入：让AI成为统计学习与科研的伙伴</a:t>
+            </a:r>
+          </a:p>
+          <a:p>
+            <a:pPr lvl="0"/>
+            <a:r>
+              <a:rPr/>
+              <a:t>9.1.2 DeepSeek如何助力统计学习？</a:t>
+            </a:r>
+          </a:p>
+          <a:p>
+            <a:pPr lvl="0"/>
+            <a:r>
+              <a:rPr/>
+              <a:t>9.1.3 从统计学习者到提问专家：如何与DeepSeek高效对话？</a:t>
+            </a:r>
+          </a:p>
+        </p:txBody>
+      </p:sp>
+    </p:spTree>
+  </p:cSld>
+</p:sld>
+</file>
+
+<file path=ppt/slides/slide30.xml><?xml version="1.0" encoding="utf-8"?>
+<p:sld xmlns:a="http://schemas.openxmlformats.org/drawingml/2006/main" xmlns:r="http://schemas.openxmlformats.org/officeDocument/2006/relationships" xmlns:p="http://schemas.openxmlformats.org/presentationml/2006/main">
+  <p:cSld>
+    <p:spTree>
+      <p:nvGrpSpPr>
+        <p:cNvPr id="1" name=""/>
+        <p:cNvGrpSpPr/>
+        <p:nvPr/>
+      </p:nvGrpSpPr>
+      <p:grpSpPr>
+        <a:xfrm>
+          <a:off x="0" y="0"/>
+          <a:ext cx="0" cy="0"/>
+          <a:chOff x="0" y="0"/>
+          <a:chExt cx="0" cy="0"/>
+        </a:xfrm>
+      </p:grpSpPr>
+      <p:sp>
+        <p:nvSpPr>
+          <p:cNvPr id="2" name="Title 1"/>
+          <p:cNvSpPr>
+            <a:spLocks noGrp="1"/>
+          </p:cNvSpPr>
+          <p:nvPr>
+            <p:ph type="title"/>
+          </p:nvPr>
+        </p:nvSpPr>
+        <p:spPr/>
+        <p:txBody>
+          <a:bodyPr/>
+          <a:lstStyle/>
+          <a:p>
+            <a:pPr lvl="0" indent="0" marL="0">
+              <a:buNone/>
+            </a:pPr>
+            <a:r>
+              <a:rPr/>
+              <a:t>全书框架</a:t>
+            </a:r>
+          </a:p>
+        </p:txBody>
+      </p:sp>
+    </p:spTree>
+  </p:cSld>
+</p:sld>
+</file>
+
+<file path=ppt/slides/slide31.xml><?xml version="1.0" encoding="utf-8"?>
+<p:sld xmlns:a="http://schemas.openxmlformats.org/drawingml/2006/main" xmlns:r="http://schemas.openxmlformats.org/officeDocument/2006/relationships" xmlns:p="http://schemas.openxmlformats.org/presentationml/2006/main">
+  <p:cSld>
+    <p:spTree>
+      <p:nvGrpSpPr>
+        <p:cNvPr id="1" name=""/>
+        <p:cNvGrpSpPr/>
+        <p:nvPr/>
+      </p:nvGrpSpPr>
+      <p:grpSpPr>
+        <a:xfrm>
+          <a:off x="0" y="0"/>
+          <a:ext cx="0" cy="0"/>
+          <a:chOff x="0" y="0"/>
+          <a:chExt cx="0" cy="0"/>
+        </a:xfrm>
+      </p:grpSpPr>
+      <p:sp>
+        <p:nvSpPr>
+          <p:cNvPr id="2" name="Title 1"/>
+          <p:cNvSpPr>
+            <a:spLocks noGrp="1"/>
+          </p:cNvSpPr>
+          <p:nvPr>
+            <p:ph type="title"/>
+          </p:nvPr>
+        </p:nvSpPr>
+        <p:spPr/>
+        <p:txBody>
+          <a:bodyPr/>
+          <a:lstStyle/>
+          <a:p>
+            <a:pPr lvl="0" indent="0" marL="0">
+              <a:buNone/>
+            </a:pPr>
+            <a:r>
+              <a:rPr/>
+              <a:t>1.1.4 提炼结论</a:t>
+            </a:r>
+          </a:p>
+        </p:txBody>
+      </p:sp>
+      <p:sp>
+        <p:nvSpPr>
+          <p:cNvPr id="3" name="Content Placeholder 2"/>
+          <p:cNvSpPr>
+            <a:spLocks noGrp="1"/>
+          </p:cNvSpPr>
+          <p:nvPr>
+            <p:ph idx="1"/>
+          </p:nvPr>
+        </p:nvSpPr>
+        <p:spPr/>
+        <p:txBody>
+          <a:bodyPr/>
+          <a:lstStyle/>
+          <a:p>
+            <a:pPr lvl="0"/>
+            <a:r>
+              <a:rPr/>
+              <a:t>运用统计分析方法得到的发现进行梳理和归纳，从中提炼出有价值的结论。</a:t>
+            </a:r>
+          </a:p>
+        </p:txBody>
+      </p:sp>
+    </p:spTree>
+  </p:cSld>
+</p:sld>
+</file>
+
+<file path=ppt/slides/slide32.xml><?xml version="1.0" encoding="utf-8"?>
+<p:sld xmlns:a="http://schemas.openxmlformats.org/drawingml/2006/main" xmlns:r="http://schemas.openxmlformats.org/officeDocument/2006/relationships" xmlns:p="http://schemas.openxmlformats.org/presentationml/2006/main">
+  <p:cSld>
+    <p:spTree>
+      <p:nvGrpSpPr>
+        <p:cNvPr id="1" name=""/>
+        <p:cNvGrpSpPr/>
+        <p:nvPr/>
+      </p:nvGrpSpPr>
+      <p:grpSpPr>
+        <a:xfrm>
+          <a:off x="0" y="0"/>
+          <a:ext cx="0" cy="0"/>
+          <a:chOff x="0" y="0"/>
+          <a:chExt cx="0" cy="0"/>
+        </a:xfrm>
+      </p:grpSpPr>
+      <p:sp>
+        <p:nvSpPr>
+          <p:cNvPr id="2" name="Title 1"/>
+          <p:cNvSpPr>
+            <a:spLocks noGrp="1"/>
+          </p:cNvSpPr>
+          <p:nvPr>
+            <p:ph type="title"/>
+          </p:nvPr>
+        </p:nvSpPr>
+        <p:spPr/>
+        <p:txBody>
+          <a:bodyPr/>
+          <a:lstStyle/>
+          <a:p>
+            <a:pPr lvl="0" indent="0" marL="0">
+              <a:buNone/>
+            </a:pPr>
+            <a:r>
+              <a:rPr/>
+              <a:t>9.2 DeepSeek辅助医学统计方法的整体梳理</a:t>
+            </a:r>
+          </a:p>
+        </p:txBody>
+      </p:sp>
+      <p:sp>
+        <p:nvSpPr>
+          <p:cNvPr id="3" name="Content Placeholder 2"/>
+          <p:cNvSpPr>
+            <a:spLocks noGrp="1"/>
+          </p:cNvSpPr>
+          <p:nvPr>
+            <p:ph idx="1"/>
+          </p:nvPr>
+        </p:nvSpPr>
+        <p:spPr/>
+        <p:txBody>
+          <a:bodyPr/>
+          <a:lstStyle/>
+          <a:p>
+            <a:pPr lvl="0"/>
+            <a:r>
+              <a:rPr/>
+              <a:t>1.2.1 图表工具</a:t>
+            </a:r>
+          </a:p>
+          <a:p>
+            <a:pPr lvl="0"/>
+            <a:r>
+              <a:rPr/>
+              <a:t>1.2.2 函数工具</a:t>
+            </a:r>
+          </a:p>
+          <a:p>
+            <a:pPr lvl="0"/>
+            <a:r>
+              <a:rPr/>
+              <a:t>1.2.3 数据分析工具</a:t>
+            </a:r>
+          </a:p>
+        </p:txBody>
+      </p:sp>
+    </p:spTree>
+  </p:cSld>
+</p:sld>
+</file>
+
+<file path=ppt/slides/slide33.xml><?xml version="1.0" encoding="utf-8"?>
+<p:sld xmlns:a="http://schemas.openxmlformats.org/drawingml/2006/main" xmlns:r="http://schemas.openxmlformats.org/officeDocument/2006/relationships" xmlns:p="http://schemas.openxmlformats.org/presentationml/2006/main">
+  <p:cSld>
+    <p:spTree>
+      <p:nvGrpSpPr>
+        <p:cNvPr id="1" name=""/>
+        <p:cNvGrpSpPr/>
+        <p:nvPr/>
+      </p:nvGrpSpPr>
+      <p:grpSpPr>
+        <a:xfrm>
+          <a:off x="0" y="0"/>
+          <a:ext cx="0" cy="0"/>
+          <a:chOff x="0" y="0"/>
+          <a:chExt cx="0" cy="0"/>
+        </a:xfrm>
+      </p:grpSpPr>
+      <p:sp>
+        <p:nvSpPr>
+          <p:cNvPr id="2" name="Title 1"/>
+          <p:cNvSpPr>
+            <a:spLocks noGrp="1"/>
+          </p:cNvSpPr>
+          <p:nvPr>
+            <p:ph type="title"/>
+          </p:nvPr>
+        </p:nvSpPr>
+        <p:spPr/>
+        <p:txBody>
+          <a:bodyPr/>
+          <a:lstStyle/>
+          <a:p>
+            <a:pPr lvl="0" indent="0" marL="0">
+              <a:buNone/>
+            </a:pPr>
+            <a:r>
+              <a:rPr/>
+              <a:t>1.3 Excel常用技巧</a:t>
+            </a:r>
+          </a:p>
+        </p:txBody>
+      </p:sp>
+      <p:sp>
+        <p:nvSpPr>
+          <p:cNvPr id="3" name="Content Placeholder 2"/>
+          <p:cNvSpPr>
+            <a:spLocks noGrp="1"/>
+          </p:cNvSpPr>
+          <p:nvPr>
+            <p:ph idx="1"/>
+          </p:nvPr>
+        </p:nvSpPr>
+        <p:spPr/>
+        <p:txBody>
+          <a:bodyPr/>
+          <a:lstStyle/>
+          <a:p>
+            <a:pPr lvl="0"/>
+            <a:r>
+              <a:rPr/>
+              <a:t>1.3.1 Excel的快捷键</a:t>
+            </a:r>
+          </a:p>
+          <a:p>
+            <a:pPr lvl="0"/>
+            <a:r>
+              <a:rPr/>
+              <a:t>1.3.2 单元格填充柄</a:t>
+            </a:r>
+          </a:p>
+        </p:txBody>
+      </p:sp>
+    </p:spTree>
+  </p:cSld>
+</p:sld>
+</file>
+
+<file path=ppt/slides/slide34.xml><?xml version="1.0" encoding="utf-8"?>
+<p:sld xmlns:a="http://schemas.openxmlformats.org/drawingml/2006/main" xmlns:r="http://schemas.openxmlformats.org/officeDocument/2006/relationships" xmlns:p="http://schemas.openxmlformats.org/presentationml/2006/main">
+  <p:cSld>
+    <p:spTree>
+      <p:nvGrpSpPr>
+        <p:cNvPr id="1" name=""/>
+        <p:cNvGrpSpPr/>
+        <p:nvPr/>
+      </p:nvGrpSpPr>
+      <p:grpSpPr>
+        <a:xfrm>
+          <a:off x="0" y="0"/>
+          <a:ext cx="0" cy="0"/>
+          <a:chOff x="0" y="0"/>
+          <a:chExt cx="0" cy="0"/>
+        </a:xfrm>
+      </p:grpSpPr>
+      <p:sp>
+        <p:nvSpPr>
+          <p:cNvPr id="2" name="Title 1"/>
+          <p:cNvSpPr>
+            <a:spLocks noGrp="1"/>
+          </p:cNvSpPr>
+          <p:nvPr>
+            <p:ph type="title"/>
+          </p:nvPr>
+        </p:nvSpPr>
+        <p:spPr/>
+        <p:txBody>
+          <a:bodyPr/>
+          <a:lstStyle/>
+          <a:p>
+            <a:pPr lvl="0" indent="0" marL="0">
+              <a:buNone/>
+            </a:pPr>
+            <a:r>
+              <a:rPr/>
+              <a:t>1.3.1 Excel的快捷键</a:t>
+            </a:r>
+          </a:p>
+        </p:txBody>
+      </p:sp>
+      <p:sp>
+        <p:nvSpPr>
+          <p:cNvPr id="3" name="Content Placeholder 2"/>
+          <p:cNvSpPr>
+            <a:spLocks noGrp="1"/>
+          </p:cNvSpPr>
+          <p:nvPr>
+            <p:ph idx="1"/>
+          </p:nvPr>
+        </p:nvSpPr>
+        <p:spPr/>
+        <p:txBody>
+          <a:bodyPr/>
+          <a:lstStyle/>
+          <a:p>
+            <a:pPr lvl="0"/>
+            <a:r>
+              <a:rPr/>
+              <a:t>基础操作</a:t>
+            </a:r>
+          </a:p>
+          <a:p>
+            <a:pPr lvl="0"/>
+            <a:r>
+              <a:rPr/>
+              <a:t>光标定位</a:t>
+            </a:r>
+          </a:p>
+          <a:p>
+            <a:pPr lvl="0"/>
+            <a:r>
+              <a:rPr/>
+              <a:t>范围选择</a:t>
+            </a:r>
+          </a:p>
+          <a:p>
+            <a:pPr lvl="0"/>
+            <a:r>
+              <a:rPr/>
+              <a:t>编辑计算</a:t>
+            </a:r>
+          </a:p>
+        </p:txBody>
+      </p:sp>
+    </p:spTree>
+  </p:cSld>
+</p:sld>
+</file>
+
+<file path=ppt/slides/slide35.xml><?xml version="1.0" encoding="utf-8"?>
+<p:sld xmlns:a="http://schemas.openxmlformats.org/drawingml/2006/main" xmlns:r="http://schemas.openxmlformats.org/officeDocument/2006/relationships" xmlns:p="http://schemas.openxmlformats.org/presentationml/2006/main">
+  <p:cSld>
+    <p:spTree>
+      <p:nvGrpSpPr>
+        <p:cNvPr id="1" name=""/>
+        <p:cNvGrpSpPr/>
+        <p:nvPr/>
+      </p:nvGrpSpPr>
+      <p:grpSpPr>
+        <a:xfrm>
+          <a:off x="0" y="0"/>
+          <a:ext cx="0" cy="0"/>
+          <a:chOff x="0" y="0"/>
+          <a:chExt cx="0" cy="0"/>
+        </a:xfrm>
+      </p:grpSpPr>
+      <p:sp>
+        <p:nvSpPr>
+          <p:cNvPr id="2" name="Title 1"/>
+          <p:cNvSpPr>
+            <a:spLocks noGrp="1"/>
+          </p:cNvSpPr>
+          <p:nvPr>
+            <p:ph type="title"/>
+          </p:nvPr>
+        </p:nvSpPr>
+        <p:spPr/>
+        <p:txBody>
+          <a:bodyPr/>
+          <a:lstStyle/>
+          <a:p>
+            <a:pPr lvl="0" indent="0" marL="0">
+              <a:buNone/>
+            </a:pPr>
+            <a:r>
+              <a:rPr/>
+              <a:t>1.3.2 单元格填充柄</a:t>
+            </a:r>
+          </a:p>
+        </p:txBody>
+      </p:sp>
+    </p:spTree>
+  </p:cSld>
+</p:sld>
+</file>
+
+<file path=ppt/slides/slide36.xml><?xml version="1.0" encoding="utf-8"?>
+<p:sld xmlns:a="http://schemas.openxmlformats.org/drawingml/2006/main" xmlns:r="http://schemas.openxmlformats.org/officeDocument/2006/relationships" xmlns:p="http://schemas.openxmlformats.org/presentationml/2006/main">
+  <p:cSld>
+    <p:spTree>
+      <p:nvGrpSpPr>
+        <p:cNvPr id="1" name=""/>
+        <p:cNvGrpSpPr/>
+        <p:nvPr/>
+      </p:nvGrpSpPr>
+      <p:grpSpPr>
+        <a:xfrm>
+          <a:off x="0" y="0"/>
+          <a:ext cx="0" cy="0"/>
+          <a:chOff x="0" y="0"/>
+          <a:chExt cx="0" cy="0"/>
+        </a:xfrm>
+      </p:grpSpPr>
+      <p:sp>
+        <p:nvSpPr>
+          <p:cNvPr id="2" name="Title 1"/>
+          <p:cNvSpPr>
+            <a:spLocks noGrp="1"/>
+          </p:cNvSpPr>
+          <p:nvPr>
+            <p:ph type="title"/>
+          </p:nvPr>
+        </p:nvSpPr>
+        <p:spPr/>
+        <p:txBody>
+          <a:bodyPr/>
+          <a:lstStyle/>
+          <a:p>
+            <a:pPr lvl="0" indent="0" marL="0">
+              <a:buNone/>
+            </a:pPr>
+            <a:r>
+              <a:rPr/>
+              <a:t>1.4 Excel的数据清洗工具</a:t>
+            </a:r>
+          </a:p>
+        </p:txBody>
+      </p:sp>
+      <p:sp>
+        <p:nvSpPr>
+          <p:cNvPr id="3" name="Content Placeholder 2"/>
+          <p:cNvSpPr>
+            <a:spLocks noGrp="1"/>
+          </p:cNvSpPr>
+          <p:nvPr>
+            <p:ph idx="1"/>
+          </p:nvPr>
+        </p:nvSpPr>
+        <p:spPr/>
+        <p:txBody>
+          <a:bodyPr/>
+          <a:lstStyle/>
+          <a:p>
+            <a:pPr lvl="0"/>
+            <a:r>
+              <a:rPr/>
+              <a:t>1.4.1 剔除重复个案</a:t>
+            </a:r>
+          </a:p>
+          <a:p>
+            <a:pPr lvl="0"/>
+            <a:r>
+              <a:rPr/>
+              <a:t>1.4.2 剔除有缺失值的个案</a:t>
+            </a:r>
+          </a:p>
+          <a:p>
+            <a:pPr lvl="0"/>
+            <a:r>
+              <a:rPr/>
+              <a:t>1.4.3 英文字母的大小写转换</a:t>
+            </a:r>
+          </a:p>
+          <a:p>
+            <a:pPr lvl="0"/>
+            <a:r>
+              <a:rPr/>
+              <a:t>1.4.4 删除多余的空格</a:t>
+            </a:r>
+          </a:p>
+          <a:p>
+            <a:pPr lvl="0"/>
+            <a:r>
+              <a:rPr/>
+              <a:t>1.4.5 观测值的批量替换</a:t>
+            </a:r>
+          </a:p>
+          <a:p>
+            <a:pPr lvl="0"/>
+            <a:r>
+              <a:rPr/>
+              <a:t>1.4.6 文本分列</a:t>
+            </a:r>
+          </a:p>
+          <a:p>
+            <a:pPr lvl="0"/>
+            <a:r>
+              <a:rPr/>
+              <a:t>1.4.7 以文本形式存储的数字的转化</a:t>
+            </a:r>
+          </a:p>
+          <a:p>
+            <a:pPr lvl="0"/>
+            <a:r>
+              <a:rPr/>
+              <a:t>1.4.8 快速填充</a:t>
+            </a:r>
+          </a:p>
+          <a:p>
+            <a:pPr lvl="0"/>
+            <a:r>
+              <a:rPr/>
+              <a:t>1.4.9 异常值和缺失值的识别</a:t>
+            </a:r>
+          </a:p>
+          <a:p>
+            <a:pPr lvl="0"/>
+            <a:r>
+              <a:rPr/>
+              <a:t>1.4.10 数值代码转换为文本</a:t>
+            </a:r>
+          </a:p>
+        </p:txBody>
+      </p:sp>
+    </p:spTree>
+  </p:cSld>
+</p:sld>
+</file>
+
+<file path=ppt/slides/slide37.xml><?xml version="1.0" encoding="utf-8"?>
+<p:sld xmlns:a="http://schemas.openxmlformats.org/drawingml/2006/main" xmlns:r="http://schemas.openxmlformats.org/officeDocument/2006/relationships" xmlns:p="http://schemas.openxmlformats.org/presentationml/2006/main">
+  <p:cSld>
+    <p:spTree>
+      <p:nvGrpSpPr>
+        <p:cNvPr id="1" name=""/>
+        <p:cNvGrpSpPr/>
+        <p:nvPr/>
+      </p:nvGrpSpPr>
+      <p:grpSpPr>
+        <a:xfrm>
+          <a:off x="0" y="0"/>
+          <a:ext cx="0" cy="0"/>
+          <a:chOff x="0" y="0"/>
+          <a:chExt cx="0" cy="0"/>
+        </a:xfrm>
+      </p:grpSpPr>
+      <p:sp>
+        <p:nvSpPr>
+          <p:cNvPr id="2" name="Title 1"/>
+          <p:cNvSpPr>
+            <a:spLocks noGrp="1"/>
+          </p:cNvSpPr>
+          <p:nvPr>
+            <p:ph type="title"/>
+          </p:nvPr>
+        </p:nvSpPr>
+        <p:spPr/>
+        <p:txBody>
+          <a:bodyPr/>
+          <a:lstStyle/>
+          <a:p>
+            <a:pPr lvl="0" indent="0" marL="0">
+              <a:buNone/>
+            </a:pPr>
+            <a:r>
+              <a:rPr/>
+              <a:t>本章总结</a:t>
+            </a:r>
+          </a:p>
+        </p:txBody>
+      </p:sp>
+    </p:spTree>
+  </p:cSld>
+</p:sld>
+</file>
+
 <file path=ppt/slides/slide4.xml><?xml version="1.0" encoding="utf-8"?>
 <p:sld xmlns:a="http://schemas.openxmlformats.org/drawingml/2006/main" xmlns:r="http://schemas.openxmlformats.org/officeDocument/2006/relationships" xmlns:p="http://schemas.openxmlformats.org/presentationml/2006/main">
   <p:cSld>
@@ -4098,7 +6406,7 @@
             </a:pPr>
             <a:r>
               <a:rPr/>
-              <a:t>1.1.1 收集数据</a:t>
+              <a:t>9.1.1 让DeepSeek成为统计学习与科研的伙伴</a:t>
             </a:r>
           </a:p>
         </p:txBody>
@@ -4121,42 +6429,21 @@
             <a:pPr lvl="0"/>
             <a:r>
               <a:rPr/>
-              <a:t>宏观数据</a:t>
-            </a:r>
-          </a:p>
-          <a:p>
-            <a:pPr lvl="0"/>
-            <a:r>
-              <a:rPr/>
-              <a:t>微观数据</a:t>
-            </a:r>
-          </a:p>
-          <a:p>
-            <a:pPr lvl="0"/>
-            <a:r>
-              <a:rPr/>
-              <a:t>截面数据</a:t>
-            </a:r>
-          </a:p>
-          <a:p>
-            <a:pPr lvl="0"/>
-            <a:r>
-              <a:rPr/>
-              <a:t>时间序列</a:t>
-            </a:r>
-          </a:p>
-          <a:p>
-            <a:pPr lvl="0"/>
-            <a:r>
-              <a:rPr/>
-              <a:t>定性数据</a:t>
-            </a:r>
-          </a:p>
-          <a:p>
-            <a:pPr lvl="0"/>
-            <a:r>
-              <a:rPr/>
-              <a:t>定量数据</a:t>
+              <a:t>不知道该用什么统计方法？</a:t>
+            </a:r>
+          </a:p>
+          <a:p>
+            <a:pPr lvl="0"/>
+            <a:r>
+              <a:rPr/>
+              <a:t>困扰于看不懂统计结果或输出解释？</a:t>
+            </a:r>
+          </a:p>
+          <a:p>
+            <a:pPr lvl="0"/>
+            <a:r>
+              <a:rPr/>
+              <a:t>为写论文中的统计部分而发愁？</a:t>
             </a:r>
           </a:p>
         </p:txBody>
@@ -4203,7 +6490,7 @@
             </a:pPr>
             <a:r>
               <a:rPr/>
-              <a:t>1.1.2 整理数据</a:t>
+              <a:t>9.1.2 DeepSeek如何助力统计学习？</a:t>
             </a:r>
           </a:p>
         </p:txBody>
@@ -4226,21 +6513,28 @@
             <a:pPr lvl="0"/>
             <a:r>
               <a:rPr/>
-              <a:t>将数据转化为结构化表格的形式，其中每一行代表一个观测单元，每一列代表一个变量。</a:t>
-            </a:r>
-          </a:p>
-          <a:p>
-            <a:pPr lvl="0"/>
-            <a:r>
-              <a:rPr/>
-              <a:t>检查数据的完整性和合理性，包括查看是否存在重复个案、缺失值、异常值，以及将文本转化为数值代码。</a:t>
-            </a:r>
-          </a:p>
-          <a:p>
-            <a:pPr lvl="0"/>
-            <a:r>
-              <a:rPr/>
-              <a:t>详见：1.4 Excel中的数据清洗工具</a:t>
+              <a:t>重构统计学习方式</a:t>
+            </a:r>
+          </a:p>
+          <a:p>
+            <a:pPr lvl="1"/>
+            <a:r>
+              <a:rPr/>
+              <a:t>互动式</a:t>
+            </a:r>
+          </a:p>
+          <a:p>
+            <a:pPr lvl="1"/>
+            <a:r>
+              <a:rPr/>
+              <a:t>针对性</a:t>
+            </a:r>
+          </a:p>
+          <a:p>
+            <a:pPr lvl="1"/>
+            <a:r>
+              <a:rPr/>
+              <a:t>不要撒网式学习</a:t>
             </a:r>
           </a:p>
         </p:txBody>
@@ -4287,7 +6581,7 @@
             </a:pPr>
             <a:r>
               <a:rPr/>
-              <a:t>1.1.3 分析数据</a:t>
+              <a:t>9.1.2 DeepSeek如何助力统计学习？</a:t>
             </a:r>
           </a:p>
         </p:txBody>
@@ -4310,14 +6604,49 @@
             <a:pPr lvl="0"/>
             <a:r>
               <a:rPr/>
-              <a:t>描述统计：利用表格和图形对数据进行呈现，计算均值、中位数、标准差等描述性统计量。</a:t>
-            </a:r>
-          </a:p>
-          <a:p>
-            <a:pPr lvl="0"/>
-            <a:r>
-              <a:rPr/>
-              <a:t>推断统计：根据样本数据对总体特征进行推断。</a:t>
+              <a:t>统计学习的重心</a:t>
+            </a:r>
+          </a:p>
+          <a:p>
+            <a:pPr lvl="1"/>
+            <a:r>
+              <a:rPr/>
+              <a:t>基础知识</a:t>
+            </a:r>
+          </a:p>
+          <a:p>
+            <a:pPr lvl="2"/>
+            <a:r>
+              <a:rPr/>
+              <a:t>变量类型: 定性(无序/有序), 定量(离散/连续)</a:t>
+            </a:r>
+          </a:p>
+          <a:p>
+            <a:pPr lvl="2"/>
+            <a:r>
+              <a:rPr/>
+              <a:t>参数估计: 置信水平，置信区间</a:t>
+            </a:r>
+          </a:p>
+          <a:p>
+            <a:pPr lvl="2"/>
+            <a:r>
+              <a:rPr/>
+              <a:t>假设检验: 双/单侧检验，显著性水平, p值, 临界值, 检验统计量</a:t>
+            </a:r>
+          </a:p>
+          <a:p>
+            <a:pPr lvl="1"/>
+            <a:r>
+              <a:rPr/>
+              <a:t>方法选择</a:t>
+            </a:r>
+          </a:p>
+          <a:p>
+            <a:pPr lvl="1"/>
+            <a:r>
+              <a:rPr/>
+              <a:t>结果解读</a:t>
             </a:r>
           </a:p>
         </p:txBody>
@@ -4364,7 +6693,7 @@
             </a:pPr>
             <a:r>
               <a:rPr/>
-              <a:t>1.1.3 分析数据</a:t>
+              <a:t>9.1.3 从统计学习者到提问专家：如何与 DeepSeek 高效对话？</a:t>
             </a:r>
           </a:p>
         </p:txBody>
@@ -4387,28 +6716,78 @@
             <a:pPr lvl="0"/>
             <a:r>
               <a:rPr/>
-              <a:t>第2章-第5章：描述统计方法</a:t>
-            </a:r>
-          </a:p>
-          <a:p>
-            <a:pPr lvl="0"/>
-            <a:r>
-              <a:rPr/>
-              <a:t>第6章至第8章：推断统计准备知识</a:t>
-            </a:r>
-          </a:p>
-          <a:p>
-            <a:pPr lvl="0"/>
-            <a:r>
-              <a:rPr/>
-              <a:t>第9章至第15章：推断统计方法</a:t>
-            </a:r>
-          </a:p>
-          <a:p>
-            <a:pPr lvl="0"/>
-            <a:r>
-              <a:rPr/>
-              <a:t>第16章：时间序列</a:t>
+              <a:t>DeepSeek可以回答”如何做”？</a:t>
+            </a:r>
+          </a:p>
+          <a:p>
+            <a:pPr lvl="0"/>
+            <a:r>
+              <a:rPr/>
+              <a:t>选择方法, 解释结果, 润色语言</a:t>
+            </a:r>
+          </a:p>
+          <a:p>
+            <a:pPr lvl="0"/>
+            <a:r>
+              <a:rPr/>
+              <a:t>DeepSeek无法判断统计分析结论的“临床或现实意义”</a:t>
+            </a:r>
+          </a:p>
+          <a:p>
+            <a:pPr lvl="0"/>
+            <a:r>
+              <a:rPr/>
+              <a:t>① 它不了解临床语境</a:t>
+            </a:r>
+          </a:p>
+          <a:p>
+            <a:pPr lvl="1"/>
+            <a:r>
+              <a:rPr/>
+              <a:t>不知道 1.2 mmHg 的血压差异是否有意义</a:t>
+            </a:r>
+          </a:p>
+          <a:p>
+            <a:pPr lvl="1"/>
+            <a:r>
+              <a:rPr/>
+              <a:t>不知道术后感染降低 3% 是否值得改变用药</a:t>
+            </a:r>
+          </a:p>
+          <a:p>
+            <a:pPr lvl="1"/>
+            <a:r>
+              <a:rPr/>
+              <a:t>无法判断效果大小对患者是否“可感知”</a:t>
+            </a:r>
+          </a:p>
+          <a:p>
+            <a:pPr lvl="0"/>
+            <a:r>
+              <a:rPr/>
+              <a:t>② 它无法识别研究的局限</a:t>
+            </a:r>
+          </a:p>
+          <a:p>
+            <a:pPr lvl="1"/>
+            <a:r>
+              <a:rPr/>
+              <a:t>样本的代表性</a:t>
+            </a:r>
+          </a:p>
+          <a:p>
+            <a:pPr lvl="1"/>
+            <a:r>
+              <a:rPr/>
+              <a:t>数据质量</a:t>
+            </a:r>
+            <a:br/>
+          </a:p>
+          <a:p>
+            <a:pPr lvl="1"/>
+            <a:r>
+              <a:rPr/>
+              <a:t>研究全貌</a:t>
             </a:r>
           </a:p>
         </p:txBody>
@@ -4455,7 +6834,91 @@
             </a:pPr>
             <a:r>
               <a:rPr/>
-              <a:t>全书框架</a:t>
+              <a:t>🔍 举例</a:t>
+            </a:r>
+          </a:p>
+        </p:txBody>
+      </p:sp>
+      <p:sp>
+        <p:nvSpPr>
+          <p:cNvPr id="3" name="Content Placeholder 2"/>
+          <p:cNvSpPr>
+            <a:spLocks noGrp="1"/>
+          </p:cNvSpPr>
+          <p:nvPr>
+            <p:ph idx="1"/>
+          </p:nvPr>
+        </p:nvSpPr>
+        <p:spPr/>
+        <p:txBody>
+          <a:bodyPr/>
+          <a:lstStyle/>
+          <a:p>
+            <a:pPr lvl="0" indent="0" marL="1270000">
+              <a:buNone/>
+            </a:pPr>
+            <a:r>
+              <a:rPr sz="2000" b="1"/>
+              <a:t>新药组患者平均在服药后4.2小时出现咳嗽明显缓解，对照组为5.3小时，差异为1.1小时，P = 0.002。</a:t>
+            </a:r>
+          </a:p>
+          <a:p>
+            <a:pPr lvl="0"/>
+            <a:r>
+              <a:rPr b="1"/>
+              <a:t>DeepSeek的判断</a:t>
+            </a:r>
+            <a:r>
+              <a:rPr/>
+              <a:t>：P值小于0.05，说明两组在缓解时间上存在统计学显著差异。</a:t>
+            </a:r>
+          </a:p>
+          <a:p>
+            <a:pPr lvl="0"/>
+            <a:r>
+              <a:rPr b="1"/>
+              <a:t>研究者需要进一步判断</a:t>
+            </a:r>
+            <a:r>
+              <a:rPr/>
+              <a:t>：</a:t>
+            </a:r>
+          </a:p>
+          <a:p>
+            <a:pPr lvl="1"/>
+            <a:r>
+              <a:rPr/>
+              <a:t>平均提前1小时缓解咳嗽，对患者体验是否足够重要？</a:t>
+            </a:r>
+          </a:p>
+          <a:p>
+            <a:pPr lvl="1"/>
+            <a:r>
+              <a:rPr/>
+              <a:t>新药是否价格更高、服用方案更复杂或存在其他副作用？</a:t>
+            </a:r>
+          </a:p>
+          <a:p>
+            <a:pPr lvl="1"/>
+            <a:r>
+              <a:rPr/>
+              <a:t>如果只是轻症患者，是否有必要优先推荐此类新药？</a:t>
+            </a:r>
+          </a:p>
+          <a:p>
+            <a:pPr lvl="1"/>
+            <a:r>
+              <a:rPr/>
+              <a:t>在临床实践中，该差异是否足以改变现有用药指南或医生处方习惯？</a:t>
+            </a:r>
+          </a:p>
+          <a:p>
+            <a:pPr lvl="0" indent="0" marL="1270000">
+              <a:buNone/>
+            </a:pPr>
+            <a:r>
+              <a:rPr sz="2000"/>
+              <a:t>📌 要评估“统计显著”的“现实价值”，需结合患者反馈、药物成本、安全性及对临床决策的实际影响。</a:t>
             </a:r>
           </a:p>
         </p:txBody>
@@ -4484,12 +6947,12 @@
       </p:grpSpPr>
       <p:sp>
         <p:nvSpPr>
-          <p:cNvPr id="2" name="Title 1"/>
-          <p:cNvSpPr>
-            <a:spLocks noGrp="1"/>
-          </p:cNvSpPr>
-          <p:nvPr>
-            <p:ph type="title"/>
+          <p:cNvPr id="3" name="Content Placeholder 2"/>
+          <p:cNvSpPr>
+            <a:spLocks noGrp="1"/>
+          </p:cNvSpPr>
+          <p:nvPr>
+            <p:ph idx="1"/>
           </p:nvPr>
         </p:nvSpPr>
         <p:spPr/>
@@ -4498,34 +6961,58 @@
           <a:lstStyle/>
           <a:p>
             <a:pPr lvl="0" indent="0" marL="0">
+              <a:spcBef>
+                <a:spcPts val="3000"/>
+              </a:spcBef>
               <a:buNone/>
             </a:pPr>
             <a:r>
-              <a:rPr/>
-              <a:t>1.1.4 提炼结论</a:t>
-            </a:r>
-          </a:p>
-        </p:txBody>
-      </p:sp>
-      <p:sp>
-        <p:nvSpPr>
-          <p:cNvPr id="3" name="Content Placeholder 2"/>
-          <p:cNvSpPr>
-            <a:spLocks noGrp="1"/>
-          </p:cNvSpPr>
-          <p:nvPr>
-            <p:ph idx="1"/>
-          </p:nvPr>
-        </p:nvSpPr>
-        <p:spPr/>
-        <p:txBody>
-          <a:bodyPr/>
-          <a:lstStyle/>
-          <a:p>
-            <a:pPr lvl="0"/>
-            <a:r>
-              <a:rPr/>
-              <a:t>运用统计分析方法得到的发现进行梳理和归纳，从中提炼出有价值的结论。</a:t>
+              <a:rPr b="1"/>
+              <a:t>① 低质量提问的特点</a:t>
+            </a:r>
+          </a:p>
+          <a:p>
+            <a:pPr lvl="0"/>
+            <a:r>
+              <a:rPr b="1"/>
+              <a:t>太笼统</a:t>
+            </a:r>
+            <a:r>
+              <a:rPr/>
+              <a:t>：“我这组数据怎么分析？”——没有说明变量、设计、目的；</a:t>
+            </a:r>
+          </a:p>
+          <a:p>
+            <a:pPr lvl="0"/>
+            <a:r>
+              <a:rPr b="1"/>
+              <a:t>背景缺失</a:t>
+            </a:r>
+            <a:r>
+              <a:rPr/>
+              <a:t>：没有交代样本量、变量类型、研究目标等关键信息；</a:t>
+            </a:r>
+          </a:p>
+          <a:p>
+            <a:pPr lvl="0"/>
+            <a:r>
+              <a:rPr b="1"/>
+              <a:t>术语模糊</a:t>
+            </a:r>
+            <a:r>
+              <a:rPr/>
+              <a:t>：用“数字”“分组”代替“连续变量”“独立样本”等标准术语；</a:t>
+            </a:r>
+          </a:p>
+          <a:p>
+            <a:pPr lvl="0"/>
+            <a:r>
+              <a:rPr b="1"/>
+              <a:t>目的不清</a:t>
+            </a:r>
+            <a:r>
+              <a:rPr/>
+              <a:t>：是要选方法？还是要解释P值？甚至只是想画图？</a:t>
             </a:r>
           </a:p>
         </p:txBody>
